--- a/Unidad_4/Presentación.pptx
+++ b/Unidad_4/Presentación.pptx
@@ -5,25 +5,13 @@
     <p:sldMasterId id="2147483648" r:id="rId4"/>
   </p:sldMasterIdLst>
   <p:notesMasterIdLst>
-    <p:notesMasterId r:id="rId21"/>
+    <p:notesMasterId r:id="rId9"/>
   </p:notesMasterIdLst>
   <p:sldIdLst>
     <p:sldId id="256" r:id="rId5"/>
     <p:sldId id="257" r:id="rId6"/>
     <p:sldId id="258" r:id="rId7"/>
-    <p:sldId id="260" r:id="rId8"/>
-    <p:sldId id="261" r:id="rId9"/>
-    <p:sldId id="262" r:id="rId10"/>
-    <p:sldId id="263" r:id="rId11"/>
-    <p:sldId id="264" r:id="rId12"/>
-    <p:sldId id="269" r:id="rId13"/>
-    <p:sldId id="270" r:id="rId14"/>
-    <p:sldId id="271" r:id="rId15"/>
-    <p:sldId id="265" r:id="rId16"/>
-    <p:sldId id="266" r:id="rId17"/>
-    <p:sldId id="267" r:id="rId18"/>
-    <p:sldId id="268" r:id="rId19"/>
-    <p:sldId id="272" r:id="rId20"/>
+    <p:sldId id="259" r:id="rId8"/>
   </p:sldIdLst>
   <p:sldSz cx="12192000" cy="6858000"/>
   <p:notesSz cx="6858000" cy="9144000"/>
@@ -126,6 +114,9 @@
     <p:ext uri="{EFAFB233-063F-42B5-8137-9DF3F51BA10A}">
       <p15:sldGuideLst xmlns:p15="http://schemas.microsoft.com/office/powerpoint/2012/main"/>
     </p:ext>
+    <p:ext uri="{2D200454-40CA-4A62-9FC3-DE9A4176ACB9}">
+      <p15:notesGuideLst xmlns:p15="http://schemas.microsoft.com/office/powerpoint/2012/main"/>
+    </p:ext>
   </p:extLst>
 </p:presentation>
 </file>
@@ -220,7 +211,7 @@
           <a:p>
             <a:fld id="{F29DC657-A5B9-41B4-AB57-79E3DB3481E8}" type="datetimeFigureOut">
               <a:rPr lang="en-US" smtClean="0"/>
-              <a:t>9/14/2024</a:t>
+              <a:t>9/18/2024</a:t>
             </a:fld>
             <a:endParaRPr lang="en-US"/>
           </a:p>
@@ -571,460 +562,6 @@
 </p:notes>
 </file>
 
-<file path=ppt/notesSlides/notesSlide2.xml><?xml version="1.0" encoding="utf-8"?>
-<p:notes xmlns:a="http://schemas.openxmlformats.org/drawingml/2006/main" xmlns:r="http://schemas.openxmlformats.org/officeDocument/2006/relationships" xmlns:p="http://schemas.openxmlformats.org/presentationml/2006/main">
-  <p:cSld>
-    <p:spTree>
-      <p:nvGrpSpPr>
-        <p:cNvPr id="1" name=""/>
-        <p:cNvGrpSpPr/>
-        <p:nvPr/>
-      </p:nvGrpSpPr>
-      <p:grpSpPr>
-        <a:xfrm>
-          <a:off x="0" y="0"/>
-          <a:ext cx="0" cy="0"/>
-          <a:chOff x="0" y="0"/>
-          <a:chExt cx="0" cy="0"/>
-        </a:xfrm>
-      </p:grpSpPr>
-      <p:sp>
-        <p:nvSpPr>
-          <p:cNvPr id="2" name="Slide Image Placeholder 1"/>
-          <p:cNvSpPr>
-            <a:spLocks noGrp="1" noRot="1" noChangeAspect="1"/>
-          </p:cNvSpPr>
-          <p:nvPr>
-            <p:ph type="sldImg"/>
-          </p:nvPr>
-        </p:nvSpPr>
-        <p:spPr/>
-      </p:sp>
-      <p:sp>
-        <p:nvSpPr>
-          <p:cNvPr id="3" name="Notes Placeholder 2"/>
-          <p:cNvSpPr>
-            <a:spLocks noGrp="1"/>
-          </p:cNvSpPr>
-          <p:nvPr>
-            <p:ph type="body" idx="1"/>
-          </p:nvPr>
-        </p:nvSpPr>
-        <p:spPr/>
-        <p:txBody>
-          <a:bodyPr/>
-          <a:lstStyle/>
-          <a:p>
-            <a:endParaRPr lang="es-EC" dirty="0"/>
-          </a:p>
-        </p:txBody>
-      </p:sp>
-      <p:sp>
-        <p:nvSpPr>
-          <p:cNvPr id="4" name="Slide Number Placeholder 3"/>
-          <p:cNvSpPr>
-            <a:spLocks noGrp="1"/>
-          </p:cNvSpPr>
-          <p:nvPr>
-            <p:ph type="sldNum" sz="quarter" idx="5"/>
-          </p:nvPr>
-        </p:nvSpPr>
-        <p:spPr/>
-        <p:txBody>
-          <a:bodyPr/>
-          <a:lstStyle/>
-          <a:p>
-            <a:fld id="{36CC9BE2-C275-426F-8D4D-ABF95C3D0034}" type="slidenum">
-              <a:rPr lang="en-US" smtClean="0"/>
-              <a:t>2</a:t>
-            </a:fld>
-            <a:endParaRPr lang="en-US"/>
-          </a:p>
-        </p:txBody>
-      </p:sp>
-    </p:spTree>
-    <p:extLst>
-      <p:ext uri="{BB962C8B-B14F-4D97-AF65-F5344CB8AC3E}">
-        <p14:creationId xmlns:p14="http://schemas.microsoft.com/office/powerpoint/2010/main" val="1202091023"/>
-      </p:ext>
-    </p:extLst>
-  </p:cSld>
-  <p:clrMapOvr>
-    <a:masterClrMapping/>
-  </p:clrMapOvr>
-</p:notes>
-</file>
-
-<file path=ppt/notesSlides/notesSlide3.xml><?xml version="1.0" encoding="utf-8"?>
-<p:notes xmlns:a="http://schemas.openxmlformats.org/drawingml/2006/main" xmlns:r="http://schemas.openxmlformats.org/officeDocument/2006/relationships" xmlns:p="http://schemas.openxmlformats.org/presentationml/2006/main">
-  <p:cSld>
-    <p:spTree>
-      <p:nvGrpSpPr>
-        <p:cNvPr id="1" name=""/>
-        <p:cNvGrpSpPr/>
-        <p:nvPr/>
-      </p:nvGrpSpPr>
-      <p:grpSpPr>
-        <a:xfrm>
-          <a:off x="0" y="0"/>
-          <a:ext cx="0" cy="0"/>
-          <a:chOff x="0" y="0"/>
-          <a:chExt cx="0" cy="0"/>
-        </a:xfrm>
-      </p:grpSpPr>
-      <p:sp>
-        <p:nvSpPr>
-          <p:cNvPr id="2" name="Slide Image Placeholder 1"/>
-          <p:cNvSpPr>
-            <a:spLocks noGrp="1" noRot="1" noChangeAspect="1"/>
-          </p:cNvSpPr>
-          <p:nvPr>
-            <p:ph type="sldImg"/>
-          </p:nvPr>
-        </p:nvSpPr>
-        <p:spPr/>
-      </p:sp>
-      <p:sp>
-        <p:nvSpPr>
-          <p:cNvPr id="3" name="Notes Placeholder 2"/>
-          <p:cNvSpPr>
-            <a:spLocks noGrp="1"/>
-          </p:cNvSpPr>
-          <p:nvPr>
-            <p:ph type="body" idx="1"/>
-          </p:nvPr>
-        </p:nvSpPr>
-        <p:spPr/>
-        <p:txBody>
-          <a:bodyPr/>
-          <a:lstStyle/>
-          <a:p>
-            <a:endParaRPr lang="es-EC" dirty="0"/>
-          </a:p>
-        </p:txBody>
-      </p:sp>
-      <p:sp>
-        <p:nvSpPr>
-          <p:cNvPr id="4" name="Slide Number Placeholder 3"/>
-          <p:cNvSpPr>
-            <a:spLocks noGrp="1"/>
-          </p:cNvSpPr>
-          <p:nvPr>
-            <p:ph type="sldNum" sz="quarter" idx="5"/>
-          </p:nvPr>
-        </p:nvSpPr>
-        <p:spPr/>
-        <p:txBody>
-          <a:bodyPr/>
-          <a:lstStyle/>
-          <a:p>
-            <a:fld id="{36CC9BE2-C275-426F-8D4D-ABF95C3D0034}" type="slidenum">
-              <a:rPr lang="en-US" smtClean="0"/>
-              <a:t>3</a:t>
-            </a:fld>
-            <a:endParaRPr lang="en-US"/>
-          </a:p>
-        </p:txBody>
-      </p:sp>
-    </p:spTree>
-    <p:extLst>
-      <p:ext uri="{BB962C8B-B14F-4D97-AF65-F5344CB8AC3E}">
-        <p14:creationId xmlns:p14="http://schemas.microsoft.com/office/powerpoint/2010/main" val="2308169874"/>
-      </p:ext>
-    </p:extLst>
-  </p:cSld>
-  <p:clrMapOvr>
-    <a:masterClrMapping/>
-  </p:clrMapOvr>
-</p:notes>
-</file>
-
-<file path=ppt/notesSlides/notesSlide4.xml><?xml version="1.0" encoding="utf-8"?>
-<p:notes xmlns:a="http://schemas.openxmlformats.org/drawingml/2006/main" xmlns:r="http://schemas.openxmlformats.org/officeDocument/2006/relationships" xmlns:p="http://schemas.openxmlformats.org/presentationml/2006/main">
-  <p:cSld>
-    <p:spTree>
-      <p:nvGrpSpPr>
-        <p:cNvPr id="1" name=""/>
-        <p:cNvGrpSpPr/>
-        <p:nvPr/>
-      </p:nvGrpSpPr>
-      <p:grpSpPr>
-        <a:xfrm>
-          <a:off x="0" y="0"/>
-          <a:ext cx="0" cy="0"/>
-          <a:chOff x="0" y="0"/>
-          <a:chExt cx="0" cy="0"/>
-        </a:xfrm>
-      </p:grpSpPr>
-      <p:sp>
-        <p:nvSpPr>
-          <p:cNvPr id="2" name="Slide Image Placeholder 1"/>
-          <p:cNvSpPr>
-            <a:spLocks noGrp="1" noRot="1" noChangeAspect="1"/>
-          </p:cNvSpPr>
-          <p:nvPr>
-            <p:ph type="sldImg"/>
-          </p:nvPr>
-        </p:nvSpPr>
-        <p:spPr/>
-      </p:sp>
-      <p:sp>
-        <p:nvSpPr>
-          <p:cNvPr id="3" name="Notes Placeholder 2"/>
-          <p:cNvSpPr>
-            <a:spLocks noGrp="1"/>
-          </p:cNvSpPr>
-          <p:nvPr>
-            <p:ph type="body" idx="1"/>
-          </p:nvPr>
-        </p:nvSpPr>
-        <p:spPr/>
-        <p:txBody>
-          <a:bodyPr/>
-          <a:lstStyle/>
-          <a:p>
-            <a:r>
-              <a:rPr lang="es-EC" dirty="0"/>
-              <a:t>Gran comunidad</a:t>
-            </a:r>
-          </a:p>
-        </p:txBody>
-      </p:sp>
-      <p:sp>
-        <p:nvSpPr>
-          <p:cNvPr id="4" name="Slide Number Placeholder 3"/>
-          <p:cNvSpPr>
-            <a:spLocks noGrp="1"/>
-          </p:cNvSpPr>
-          <p:nvPr>
-            <p:ph type="sldNum" sz="quarter" idx="5"/>
-          </p:nvPr>
-        </p:nvSpPr>
-        <p:spPr/>
-        <p:txBody>
-          <a:bodyPr/>
-          <a:lstStyle/>
-          <a:p>
-            <a:fld id="{36CC9BE2-C275-426F-8D4D-ABF95C3D0034}" type="slidenum">
-              <a:rPr lang="en-US" smtClean="0"/>
-              <a:t>4</a:t>
-            </a:fld>
-            <a:endParaRPr lang="en-US"/>
-          </a:p>
-        </p:txBody>
-      </p:sp>
-    </p:spTree>
-    <p:extLst>
-      <p:ext uri="{BB962C8B-B14F-4D97-AF65-F5344CB8AC3E}">
-        <p14:creationId xmlns:p14="http://schemas.microsoft.com/office/powerpoint/2010/main" val="743377013"/>
-      </p:ext>
-    </p:extLst>
-  </p:cSld>
-  <p:clrMapOvr>
-    <a:masterClrMapping/>
-  </p:clrMapOvr>
-</p:notes>
-</file>
-
-<file path=ppt/notesSlides/notesSlide5.xml><?xml version="1.0" encoding="utf-8"?>
-<p:notes xmlns:a="http://schemas.openxmlformats.org/drawingml/2006/main" xmlns:r="http://schemas.openxmlformats.org/officeDocument/2006/relationships" xmlns:p="http://schemas.openxmlformats.org/presentationml/2006/main">
-  <p:cSld>
-    <p:spTree>
-      <p:nvGrpSpPr>
-        <p:cNvPr id="1" name=""/>
-        <p:cNvGrpSpPr/>
-        <p:nvPr/>
-      </p:nvGrpSpPr>
-      <p:grpSpPr>
-        <a:xfrm>
-          <a:off x="0" y="0"/>
-          <a:ext cx="0" cy="0"/>
-          <a:chOff x="0" y="0"/>
-          <a:chExt cx="0" cy="0"/>
-        </a:xfrm>
-      </p:grpSpPr>
-      <p:sp>
-        <p:nvSpPr>
-          <p:cNvPr id="2" name="Slide Image Placeholder 1"/>
-          <p:cNvSpPr>
-            <a:spLocks noGrp="1" noRot="1" noChangeAspect="1"/>
-          </p:cNvSpPr>
-          <p:nvPr>
-            <p:ph type="sldImg"/>
-          </p:nvPr>
-        </p:nvSpPr>
-        <p:spPr/>
-      </p:sp>
-      <p:sp>
-        <p:nvSpPr>
-          <p:cNvPr id="3" name="Notes Placeholder 2"/>
-          <p:cNvSpPr>
-            <a:spLocks noGrp="1"/>
-          </p:cNvSpPr>
-          <p:nvPr>
-            <p:ph type="body" idx="1"/>
-          </p:nvPr>
-        </p:nvSpPr>
-        <p:spPr/>
-        <p:txBody>
-          <a:bodyPr/>
-          <a:lstStyle/>
-          <a:p>
-            <a:endParaRPr lang="es-EC" dirty="0"/>
-          </a:p>
-        </p:txBody>
-      </p:sp>
-      <p:sp>
-        <p:nvSpPr>
-          <p:cNvPr id="4" name="Slide Number Placeholder 3"/>
-          <p:cNvSpPr>
-            <a:spLocks noGrp="1"/>
-          </p:cNvSpPr>
-          <p:nvPr>
-            <p:ph type="sldNum" sz="quarter" idx="5"/>
-          </p:nvPr>
-        </p:nvSpPr>
-        <p:spPr/>
-        <p:txBody>
-          <a:bodyPr/>
-          <a:lstStyle/>
-          <a:p>
-            <a:fld id="{36CC9BE2-C275-426F-8D4D-ABF95C3D0034}" type="slidenum">
-              <a:rPr lang="en-US" smtClean="0"/>
-              <a:t>14</a:t>
-            </a:fld>
-            <a:endParaRPr lang="en-US"/>
-          </a:p>
-        </p:txBody>
-      </p:sp>
-    </p:spTree>
-    <p:extLst>
-      <p:ext uri="{BB962C8B-B14F-4D97-AF65-F5344CB8AC3E}">
-        <p14:creationId xmlns:p14="http://schemas.microsoft.com/office/powerpoint/2010/main" val="1516803225"/>
-      </p:ext>
-    </p:extLst>
-  </p:cSld>
-  <p:clrMapOvr>
-    <a:masterClrMapping/>
-  </p:clrMapOvr>
-</p:notes>
-</file>
-
-<file path=ppt/notesSlides/notesSlide6.xml><?xml version="1.0" encoding="utf-8"?>
-<p:notes xmlns:a="http://schemas.openxmlformats.org/drawingml/2006/main" xmlns:r="http://schemas.openxmlformats.org/officeDocument/2006/relationships" xmlns:p="http://schemas.openxmlformats.org/presentationml/2006/main">
-  <p:cSld>
-    <p:spTree>
-      <p:nvGrpSpPr>
-        <p:cNvPr id="1" name=""/>
-        <p:cNvGrpSpPr/>
-        <p:nvPr/>
-      </p:nvGrpSpPr>
-      <p:grpSpPr>
-        <a:xfrm>
-          <a:off x="0" y="0"/>
-          <a:ext cx="0" cy="0"/>
-          <a:chOff x="0" y="0"/>
-          <a:chExt cx="0" cy="0"/>
-        </a:xfrm>
-      </p:grpSpPr>
-      <p:sp>
-        <p:nvSpPr>
-          <p:cNvPr id="2" name="Slide Image Placeholder 1"/>
-          <p:cNvSpPr>
-            <a:spLocks noGrp="1" noRot="1" noChangeAspect="1"/>
-          </p:cNvSpPr>
-          <p:nvPr>
-            <p:ph type="sldImg"/>
-          </p:nvPr>
-        </p:nvSpPr>
-        <p:spPr/>
-      </p:sp>
-      <p:sp>
-        <p:nvSpPr>
-          <p:cNvPr id="3" name="Notes Placeholder 2"/>
-          <p:cNvSpPr>
-            <a:spLocks noGrp="1"/>
-          </p:cNvSpPr>
-          <p:nvPr>
-            <p:ph type="body" idx="1"/>
-          </p:nvPr>
-        </p:nvSpPr>
-        <p:spPr/>
-        <p:txBody>
-          <a:bodyPr/>
-          <a:lstStyle/>
-          <a:p>
-            <a:pPr marL="0" marR="0" lvl="0" indent="0" algn="l" defTabSz="914400" rtl="0" eaLnBrk="1" fontAlgn="auto" latinLnBrk="0" hangingPunct="1">
-              <a:lnSpc>
-                <a:spcPct val="100000"/>
-              </a:lnSpc>
-              <a:spcBef>
-                <a:spcPts val="0"/>
-              </a:spcBef>
-              <a:spcAft>
-                <a:spcPts val="0"/>
-              </a:spcAft>
-              <a:buClrTx/>
-              <a:buSzTx/>
-              <a:buFontTx/>
-              <a:buNone/>
-              <a:tabLst/>
-              <a:defRPr/>
-            </a:pPr>
-            <a:r>
-              <a:rPr lang="es-EC" dirty="0"/>
-              <a:t>Motivarlos a que rendericen el componente pero ahora desde un array de objetos con las claves </a:t>
-            </a:r>
-            <a:r>
-              <a:rPr lang="es-EC" dirty="0" err="1"/>
-              <a:t>url</a:t>
-            </a:r>
-            <a:r>
-              <a:rPr lang="es-EC" dirty="0"/>
-              <a:t> y name.</a:t>
-            </a:r>
-          </a:p>
-          <a:p>
-            <a:endParaRPr lang="es-EC" dirty="0"/>
-          </a:p>
-        </p:txBody>
-      </p:sp>
-      <p:sp>
-        <p:nvSpPr>
-          <p:cNvPr id="4" name="Slide Number Placeholder 3"/>
-          <p:cNvSpPr>
-            <a:spLocks noGrp="1"/>
-          </p:cNvSpPr>
-          <p:nvPr>
-            <p:ph type="sldNum" sz="quarter" idx="5"/>
-          </p:nvPr>
-        </p:nvSpPr>
-        <p:spPr/>
-        <p:txBody>
-          <a:bodyPr/>
-          <a:lstStyle/>
-          <a:p>
-            <a:fld id="{36CC9BE2-C275-426F-8D4D-ABF95C3D0034}" type="slidenum">
-              <a:rPr lang="en-US" smtClean="0"/>
-              <a:t>15</a:t>
-            </a:fld>
-            <a:endParaRPr lang="en-US"/>
-          </a:p>
-        </p:txBody>
-      </p:sp>
-    </p:spTree>
-    <p:extLst>
-      <p:ext uri="{BB962C8B-B14F-4D97-AF65-F5344CB8AC3E}">
-        <p14:creationId xmlns:p14="http://schemas.microsoft.com/office/powerpoint/2010/main" val="2912142077"/>
-      </p:ext>
-    </p:extLst>
-  </p:cSld>
-  <p:clrMapOvr>
-    <a:masterClrMapping/>
-  </p:clrMapOvr>
-</p:notes>
-</file>
-
 <file path=ppt/slideLayouts/slideLayout1.xml><?xml version="1.0" encoding="utf-8"?>
 <p:sldLayout xmlns:a="http://schemas.openxmlformats.org/drawingml/2006/main" xmlns:r="http://schemas.openxmlformats.org/officeDocument/2006/relationships" xmlns:p="http://schemas.openxmlformats.org/presentationml/2006/main" type="title" preserve="1">
   <p:cSld name="Title Slide">
@@ -1172,7 +709,7 @@
           <a:p>
             <a:fld id="{E0B89D21-97A6-4434-B3B1-BAF5738D61F3}" type="datetimeFigureOut">
               <a:rPr lang="en-US" smtClean="0"/>
-              <a:t>9/14/2024</a:t>
+              <a:t>9/18/2024</a:t>
             </a:fld>
             <a:endParaRPr lang="en-US"/>
           </a:p>
@@ -1370,7 +907,7 @@
           <a:p>
             <a:fld id="{E0B89D21-97A6-4434-B3B1-BAF5738D61F3}" type="datetimeFigureOut">
               <a:rPr lang="en-US" smtClean="0"/>
-              <a:t>9/14/2024</a:t>
+              <a:t>9/18/2024</a:t>
             </a:fld>
             <a:endParaRPr lang="en-US"/>
           </a:p>
@@ -1578,7 +1115,7 @@
           <a:p>
             <a:fld id="{E0B89D21-97A6-4434-B3B1-BAF5738D61F3}" type="datetimeFigureOut">
               <a:rPr lang="en-US" smtClean="0"/>
-              <a:t>9/14/2024</a:t>
+              <a:t>9/18/2024</a:t>
             </a:fld>
             <a:endParaRPr lang="en-US"/>
           </a:p>
@@ -1845,7 +1382,7 @@
           <a:p>
             <a:fld id="{E0B89D21-97A6-4434-B3B1-BAF5738D61F3}" type="datetimeFigureOut">
               <a:rPr lang="en-US" smtClean="0"/>
-              <a:t>9/14/2024</a:t>
+              <a:t>9/18/2024</a:t>
             </a:fld>
             <a:endParaRPr lang="en-US"/>
           </a:p>
@@ -2120,7 +1657,7 @@
           <a:p>
             <a:fld id="{E0B89D21-97A6-4434-B3B1-BAF5738D61F3}" type="datetimeFigureOut">
               <a:rPr lang="en-US" smtClean="0"/>
-              <a:t>9/14/2024</a:t>
+              <a:t>9/18/2024</a:t>
             </a:fld>
             <a:endParaRPr lang="en-US"/>
           </a:p>
@@ -2385,7 +1922,7 @@
           <a:p>
             <a:fld id="{E0B89D21-97A6-4434-B3B1-BAF5738D61F3}" type="datetimeFigureOut">
               <a:rPr lang="en-US" smtClean="0"/>
-              <a:t>9/14/2024</a:t>
+              <a:t>9/18/2024</a:t>
             </a:fld>
             <a:endParaRPr lang="en-US"/>
           </a:p>
@@ -2797,7 +2334,7 @@
           <a:p>
             <a:fld id="{E0B89D21-97A6-4434-B3B1-BAF5738D61F3}" type="datetimeFigureOut">
               <a:rPr lang="en-US" smtClean="0"/>
-              <a:t>9/14/2024</a:t>
+              <a:t>9/18/2024</a:t>
             </a:fld>
             <a:endParaRPr lang="en-US"/>
           </a:p>
@@ -2938,7 +2475,7 @@
           <a:p>
             <a:fld id="{E0B89D21-97A6-4434-B3B1-BAF5738D61F3}" type="datetimeFigureOut">
               <a:rPr lang="en-US" smtClean="0"/>
-              <a:t>9/14/2024</a:t>
+              <a:t>9/18/2024</a:t>
             </a:fld>
             <a:endParaRPr lang="en-US"/>
           </a:p>
@@ -3051,7 +2588,7 @@
           <a:p>
             <a:fld id="{E0B89D21-97A6-4434-B3B1-BAF5738D61F3}" type="datetimeFigureOut">
               <a:rPr lang="en-US" smtClean="0"/>
-              <a:t>9/14/2024</a:t>
+              <a:t>9/18/2024</a:t>
             </a:fld>
             <a:endParaRPr lang="en-US"/>
           </a:p>
@@ -3362,7 +2899,7 @@
           <a:p>
             <a:fld id="{E0B89D21-97A6-4434-B3B1-BAF5738D61F3}" type="datetimeFigureOut">
               <a:rPr lang="en-US" smtClean="0"/>
-              <a:t>9/14/2024</a:t>
+              <a:t>9/18/2024</a:t>
             </a:fld>
             <a:endParaRPr lang="en-US"/>
           </a:p>
@@ -3650,7 +3187,7 @@
           <a:p>
             <a:fld id="{E0B89D21-97A6-4434-B3B1-BAF5738D61F3}" type="datetimeFigureOut">
               <a:rPr lang="en-US" smtClean="0"/>
-              <a:t>9/14/2024</a:t>
+              <a:t>9/18/2024</a:t>
             </a:fld>
             <a:endParaRPr lang="en-US"/>
           </a:p>
@@ -3891,7 +3428,7 @@
           <a:p>
             <a:fld id="{E0B89D21-97A6-4434-B3B1-BAF5738D61F3}" type="datetimeFigureOut">
               <a:rPr lang="en-US" smtClean="0"/>
-              <a:t>9/14/2024</a:t>
+              <a:t>9/18/2024</a:t>
             </a:fld>
             <a:endParaRPr lang="en-US"/>
           </a:p>
@@ -4359,7 +3896,7 @@
           <a:p>
             <a:r>
               <a:rPr lang="en-US" dirty="0"/>
-              <a:t>Módulo 1</a:t>
+              <a:t>Módulo 4</a:t>
             </a:r>
           </a:p>
         </p:txBody>
@@ -4377,7 +3914,7 @@
 </p:sld>
 </file>
 
-<file path=ppt/slides/slide10.xml><?xml version="1.0" encoding="utf-8"?>
+<file path=ppt/slides/slide2.xml><?xml version="1.0" encoding="utf-8"?>
 <p:sld xmlns:a="http://schemas.openxmlformats.org/drawingml/2006/main" xmlns:r="http://schemas.openxmlformats.org/officeDocument/2006/relationships" xmlns:p="http://schemas.openxmlformats.org/presentationml/2006/main">
   <p:cSld>
     <p:spTree>
@@ -4394,40 +3931,95 @@
           <a:chExt cx="0" cy="0"/>
         </a:xfrm>
       </p:grpSpPr>
-      <p:pic>
-        <p:nvPicPr>
-          <p:cNvPr id="5" name="Picture 4">
-            <a:extLst>
-              <a:ext uri="{FF2B5EF4-FFF2-40B4-BE49-F238E27FC236}">
-                <a16:creationId xmlns:a16="http://schemas.microsoft.com/office/drawing/2014/main" id="{50653E16-ADFE-9174-1E1B-C3437E16CC10}"/>
-              </a:ext>
-            </a:extLst>
-          </p:cNvPr>
-          <p:cNvPicPr>
-            <a:picLocks noChangeAspect="1"/>
-          </p:cNvPicPr>
-          <p:nvPr/>
-        </p:nvPicPr>
-        <p:blipFill>
-          <a:blip r:embed="rId2"/>
-          <a:stretch>
-            <a:fillRect/>
-          </a:stretch>
-        </p:blipFill>
-        <p:spPr>
-          <a:xfrm>
-            <a:off x="2918306" y="775517"/>
-            <a:ext cx="6355388" cy="5306965"/>
-          </a:xfrm>
-          <a:prstGeom prst="rect">
-            <a:avLst/>
-          </a:prstGeom>
-        </p:spPr>
-      </p:pic>
+      <p:sp>
+        <p:nvSpPr>
+          <p:cNvPr id="2" name="Title 1">
+            <a:extLst>
+              <a:ext uri="{FF2B5EF4-FFF2-40B4-BE49-F238E27FC236}">
+                <a16:creationId xmlns:a16="http://schemas.microsoft.com/office/drawing/2014/main" id="{9E9EC8EB-9300-6811-CCAA-B3A26E908D93}"/>
+              </a:ext>
+            </a:extLst>
+          </p:cNvPr>
+          <p:cNvSpPr>
+            <a:spLocks noGrp="1"/>
+          </p:cNvSpPr>
+          <p:nvPr>
+            <p:ph type="title"/>
+          </p:nvPr>
+        </p:nvSpPr>
+        <p:spPr/>
+        <p:txBody>
+          <a:bodyPr/>
+          <a:lstStyle/>
+          <a:p>
+            <a:r>
+              <a:rPr lang="es-EC"/>
+              <a:t>¿Qué son?</a:t>
+            </a:r>
+          </a:p>
+        </p:txBody>
+      </p:sp>
+      <p:sp>
+        <p:nvSpPr>
+          <p:cNvPr id="3" name="Text Placeholder 2">
+            <a:extLst>
+              <a:ext uri="{FF2B5EF4-FFF2-40B4-BE49-F238E27FC236}">
+                <a16:creationId xmlns:a16="http://schemas.microsoft.com/office/drawing/2014/main" id="{B0698DDA-FF17-EAE2-91AC-9C2B50352B32}"/>
+              </a:ext>
+            </a:extLst>
+          </p:cNvPr>
+          <p:cNvSpPr>
+            <a:spLocks noGrp="1"/>
+          </p:cNvSpPr>
+          <p:nvPr>
+            <p:ph type="body" idx="1"/>
+          </p:nvPr>
+        </p:nvSpPr>
+        <p:spPr/>
+        <p:txBody>
+          <a:bodyPr/>
+          <a:lstStyle/>
+          <a:p>
+            <a:r>
+              <a:rPr lang="es-EC" dirty="0"/>
+              <a:t>Son funciones que permiten conectar o “enganchar” características de </a:t>
+            </a:r>
+            <a:r>
+              <a:rPr lang="es-EC" dirty="0" err="1"/>
+              <a:t>Class</a:t>
+            </a:r>
+            <a:r>
+              <a:rPr lang="es-EC" dirty="0"/>
+              <a:t> </a:t>
+            </a:r>
+            <a:r>
+              <a:rPr lang="es-EC" dirty="0" err="1"/>
+              <a:t>components</a:t>
+            </a:r>
+            <a:r>
+              <a:rPr lang="es-EC" dirty="0"/>
+              <a:t> en </a:t>
+            </a:r>
+            <a:r>
+              <a:rPr lang="es-EC" dirty="0" err="1"/>
+              <a:t>Functional</a:t>
+            </a:r>
+            <a:r>
+              <a:rPr lang="es-EC" dirty="0"/>
+              <a:t> </a:t>
+            </a:r>
+            <a:r>
+              <a:rPr lang="es-EC" dirty="0" err="1"/>
+              <a:t>components</a:t>
+            </a:r>
+            <a:endParaRPr lang="es-EC" dirty="0"/>
+          </a:p>
+        </p:txBody>
+      </p:sp>
     </p:spTree>
     <p:extLst>
       <p:ext uri="{BB962C8B-B14F-4D97-AF65-F5344CB8AC3E}">
-        <p14:creationId xmlns:p14="http://schemas.microsoft.com/office/powerpoint/2010/main" val="3487897178"/>
+        <p14:creationId xmlns:p14="http://schemas.microsoft.com/office/powerpoint/2010/main" val="1660663073"/>
       </p:ext>
     </p:extLst>
   </p:cSld>
@@ -4437,67 +4029,7 @@
 </p:sld>
 </file>
 
-<file path=ppt/slides/slide11.xml><?xml version="1.0" encoding="utf-8"?>
-<p:sld xmlns:a="http://schemas.openxmlformats.org/drawingml/2006/main" xmlns:r="http://schemas.openxmlformats.org/officeDocument/2006/relationships" xmlns:p="http://schemas.openxmlformats.org/presentationml/2006/main">
-  <p:cSld>
-    <p:spTree>
-      <p:nvGrpSpPr>
-        <p:cNvPr id="1" name=""/>
-        <p:cNvGrpSpPr/>
-        <p:nvPr/>
-      </p:nvGrpSpPr>
-      <p:grpSpPr>
-        <a:xfrm>
-          <a:off x="0" y="0"/>
-          <a:ext cx="0" cy="0"/>
-          <a:chOff x="0" y="0"/>
-          <a:chExt cx="0" cy="0"/>
-        </a:xfrm>
-      </p:grpSpPr>
-      <p:pic>
-        <p:nvPicPr>
-          <p:cNvPr id="3" name="Picture 2">
-            <a:extLst>
-              <a:ext uri="{FF2B5EF4-FFF2-40B4-BE49-F238E27FC236}">
-                <a16:creationId xmlns:a16="http://schemas.microsoft.com/office/drawing/2014/main" id="{378368AE-064E-CA6B-A680-8F098BA0F507}"/>
-              </a:ext>
-            </a:extLst>
-          </p:cNvPr>
-          <p:cNvPicPr>
-            <a:picLocks noChangeAspect="1"/>
-          </p:cNvPicPr>
-          <p:nvPr/>
-        </p:nvPicPr>
-        <p:blipFill>
-          <a:blip r:embed="rId2"/>
-          <a:stretch>
-            <a:fillRect/>
-          </a:stretch>
-        </p:blipFill>
-        <p:spPr>
-          <a:xfrm>
-            <a:off x="4635933" y="795010"/>
-            <a:ext cx="2920133" cy="5267980"/>
-          </a:xfrm>
-          <a:prstGeom prst="rect">
-            <a:avLst/>
-          </a:prstGeom>
-        </p:spPr>
-      </p:pic>
-    </p:spTree>
-    <p:extLst>
-      <p:ext uri="{BB962C8B-B14F-4D97-AF65-F5344CB8AC3E}">
-        <p14:creationId xmlns:p14="http://schemas.microsoft.com/office/powerpoint/2010/main" val="3295365350"/>
-      </p:ext>
-    </p:extLst>
-  </p:cSld>
-  <p:clrMapOvr>
-    <a:masterClrMapping/>
-  </p:clrMapOvr>
-</p:sld>
-</file>
-
-<file path=ppt/slides/slide12.xml><?xml version="1.0" encoding="utf-8"?>
+<file path=ppt/slides/slide3.xml><?xml version="1.0" encoding="utf-8"?>
 <p:sld xmlns:a="http://schemas.openxmlformats.org/drawingml/2006/main" xmlns:r="http://schemas.openxmlformats.org/officeDocument/2006/relationships" xmlns:p="http://schemas.openxmlformats.org/presentationml/2006/main">
   <p:cSld>
     <p:bg>
@@ -4524,10 +4056,10 @@
       </p:grpSpPr>
       <p:pic>
         <p:nvPicPr>
-          <p:cNvPr id="3" name="Picture 2">
-            <a:extLst>
-              <a:ext uri="{FF2B5EF4-FFF2-40B4-BE49-F238E27FC236}">
-                <a16:creationId xmlns:a16="http://schemas.microsoft.com/office/drawing/2014/main" id="{373118A6-F49A-FC5F-5807-9B955C1A6D4C}"/>
+          <p:cNvPr id="5" name="Picture 4">
+            <a:extLst>
+              <a:ext uri="{FF2B5EF4-FFF2-40B4-BE49-F238E27FC236}">
+                <a16:creationId xmlns:a16="http://schemas.microsoft.com/office/drawing/2014/main" id="{AC4303FC-0EBD-B20A-A4D7-50AA43795438}"/>
               </a:ext>
             </a:extLst>
           </p:cNvPr>
@@ -4544,118 +4076,20 @@
         </p:blipFill>
         <p:spPr>
           <a:xfrm>
-            <a:off x="1826983" y="643466"/>
-            <a:ext cx="8538034" cy="5571067"/>
+            <a:off x="6374511" y="0"/>
+            <a:ext cx="4987290" cy="6852666"/>
           </a:xfrm>
           <a:prstGeom prst="rect">
             <a:avLst/>
           </a:prstGeom>
         </p:spPr>
       </p:pic>
-    </p:spTree>
-    <p:extLst>
-      <p:ext uri="{BB962C8B-B14F-4D97-AF65-F5344CB8AC3E}">
-        <p14:creationId xmlns:p14="http://schemas.microsoft.com/office/powerpoint/2010/main" val="1899568912"/>
-      </p:ext>
-    </p:extLst>
-  </p:cSld>
-  <p:clrMapOvr>
-    <a:masterClrMapping/>
-  </p:clrMapOvr>
-</p:sld>
-</file>
-
-<file path=ppt/slides/slide13.xml><?xml version="1.0" encoding="utf-8"?>
-<p:sld xmlns:a="http://schemas.openxmlformats.org/drawingml/2006/main" xmlns:r="http://schemas.openxmlformats.org/officeDocument/2006/relationships" xmlns:p="http://schemas.openxmlformats.org/presentationml/2006/main">
-  <p:cSld>
-    <p:bg>
-      <p:bgPr>
-        <a:solidFill>
-          <a:schemeClr val="bg1"/>
-        </a:solidFill>
-        <a:effectLst/>
-      </p:bgPr>
-    </p:bg>
-    <p:spTree>
-      <p:nvGrpSpPr>
-        <p:cNvPr id="1" name=""/>
-        <p:cNvGrpSpPr/>
-        <p:nvPr/>
-      </p:nvGrpSpPr>
-      <p:grpSpPr>
-        <a:xfrm>
-          <a:off x="0" y="0"/>
-          <a:ext cx="0" cy="0"/>
-          <a:chOff x="0" y="0"/>
-          <a:chExt cx="0" cy="0"/>
-        </a:xfrm>
-      </p:grpSpPr>
       <p:pic>
         <p:nvPicPr>
-          <p:cNvPr id="2" name="Picture 1">
-            <a:extLst>
-              <a:ext uri="{FF2B5EF4-FFF2-40B4-BE49-F238E27FC236}">
-                <a16:creationId xmlns:a16="http://schemas.microsoft.com/office/drawing/2014/main" id="{B48B3B4F-342F-828E-7F25-B46732FA6C29}"/>
-              </a:ext>
-            </a:extLst>
-          </p:cNvPr>
-          <p:cNvPicPr>
-            <a:picLocks noChangeAspect="1"/>
-          </p:cNvPicPr>
-          <p:nvPr/>
-        </p:nvPicPr>
-        <p:blipFill>
-          <a:blip r:embed="rId2"/>
-          <a:stretch>
-            <a:fillRect/>
-          </a:stretch>
-        </p:blipFill>
-        <p:spPr>
-          <a:xfrm>
-            <a:off x="1760540" y="643466"/>
-            <a:ext cx="8670920" cy="5571067"/>
-          </a:xfrm>
-          <a:prstGeom prst="rect">
-            <a:avLst/>
-          </a:prstGeom>
-        </p:spPr>
-      </p:pic>
-    </p:spTree>
-    <p:extLst>
-      <p:ext uri="{BB962C8B-B14F-4D97-AF65-F5344CB8AC3E}">
-        <p14:creationId xmlns:p14="http://schemas.microsoft.com/office/powerpoint/2010/main" val="4070480935"/>
-      </p:ext>
-    </p:extLst>
-  </p:cSld>
-  <p:clrMapOvr>
-    <a:masterClrMapping/>
-  </p:clrMapOvr>
-</p:sld>
-</file>
-
-<file path=ppt/slides/slide14.xml><?xml version="1.0" encoding="utf-8"?>
-<p:sld xmlns:a="http://schemas.openxmlformats.org/drawingml/2006/main" xmlns:r="http://schemas.openxmlformats.org/officeDocument/2006/relationships" xmlns:p="http://schemas.openxmlformats.org/presentationml/2006/main">
-  <p:cSld>
-    <p:spTree>
-      <p:nvGrpSpPr>
-        <p:cNvPr id="1" name=""/>
-        <p:cNvGrpSpPr/>
-        <p:nvPr/>
-      </p:nvGrpSpPr>
-      <p:grpSpPr>
-        <a:xfrm>
-          <a:off x="0" y="0"/>
-          <a:ext cx="0" cy="0"/>
-          <a:chOff x="0" y="0"/>
-          <a:chExt cx="0" cy="0"/>
-        </a:xfrm>
-      </p:grpSpPr>
-      <p:pic>
-        <p:nvPicPr>
-          <p:cNvPr id="5" name="Picture 4">
-            <a:extLst>
-              <a:ext uri="{FF2B5EF4-FFF2-40B4-BE49-F238E27FC236}">
-                <a16:creationId xmlns:a16="http://schemas.microsoft.com/office/drawing/2014/main" id="{38720653-EDFB-DB12-3865-E758CC11950C}"/>
+          <p:cNvPr id="7" name="Picture 6">
+            <a:extLst>
+              <a:ext uri="{FF2B5EF4-FFF2-40B4-BE49-F238E27FC236}">
+                <a16:creationId xmlns:a16="http://schemas.microsoft.com/office/drawing/2014/main" id="{380A1195-69BC-BBEF-10AA-06DE08BD4D33}"/>
               </a:ext>
             </a:extLst>
           </p:cNvPr>
@@ -4672,8 +4106,8 @@
         </p:blipFill>
         <p:spPr>
           <a:xfrm>
-            <a:off x="2745601" y="0"/>
-            <a:ext cx="6700797" cy="6858000"/>
+            <a:off x="830199" y="0"/>
+            <a:ext cx="5265801" cy="6729603"/>
           </a:xfrm>
           <a:prstGeom prst="rect">
             <a:avLst/>
@@ -4683,393 +4117,7 @@
     </p:spTree>
     <p:extLst>
       <p:ext uri="{BB962C8B-B14F-4D97-AF65-F5344CB8AC3E}">
-        <p14:creationId xmlns:p14="http://schemas.microsoft.com/office/powerpoint/2010/main" val="3954695099"/>
-      </p:ext>
-    </p:extLst>
-  </p:cSld>
-  <p:clrMapOvr>
-    <a:masterClrMapping/>
-  </p:clrMapOvr>
-</p:sld>
-</file>
-
-<file path=ppt/slides/slide15.xml><?xml version="1.0" encoding="utf-8"?>
-<p:sld xmlns:a="http://schemas.openxmlformats.org/drawingml/2006/main" xmlns:r="http://schemas.openxmlformats.org/officeDocument/2006/relationships" xmlns:p="http://schemas.openxmlformats.org/presentationml/2006/main">
-  <p:cSld>
-    <p:spTree>
-      <p:nvGrpSpPr>
-        <p:cNvPr id="1" name=""/>
-        <p:cNvGrpSpPr/>
-        <p:nvPr/>
-      </p:nvGrpSpPr>
-      <p:grpSpPr>
-        <a:xfrm>
-          <a:off x="0" y="0"/>
-          <a:ext cx="0" cy="0"/>
-          <a:chOff x="0" y="0"/>
-          <a:chExt cx="0" cy="0"/>
-        </a:xfrm>
-      </p:grpSpPr>
-      <p:pic>
-        <p:nvPicPr>
-          <p:cNvPr id="3" name="Picture 2">
-            <a:extLst>
-              <a:ext uri="{FF2B5EF4-FFF2-40B4-BE49-F238E27FC236}">
-                <a16:creationId xmlns:a16="http://schemas.microsoft.com/office/drawing/2014/main" id="{F724CDFE-BCE7-033D-289E-969016D1D505}"/>
-              </a:ext>
-            </a:extLst>
-          </p:cNvPr>
-          <p:cNvPicPr>
-            <a:picLocks noChangeAspect="1"/>
-          </p:cNvPicPr>
-          <p:nvPr/>
-        </p:nvPicPr>
-        <p:blipFill>
-          <a:blip r:embed="rId3"/>
-          <a:stretch>
-            <a:fillRect/>
-          </a:stretch>
-        </p:blipFill>
-        <p:spPr>
-          <a:xfrm>
-            <a:off x="1772989" y="0"/>
-            <a:ext cx="8646021" cy="6858000"/>
-          </a:xfrm>
-          <a:prstGeom prst="rect">
-            <a:avLst/>
-          </a:prstGeom>
-        </p:spPr>
-      </p:pic>
-    </p:spTree>
-    <p:extLst>
-      <p:ext uri="{BB962C8B-B14F-4D97-AF65-F5344CB8AC3E}">
-        <p14:creationId xmlns:p14="http://schemas.microsoft.com/office/powerpoint/2010/main" val="1773958891"/>
-      </p:ext>
-    </p:extLst>
-  </p:cSld>
-  <p:clrMapOvr>
-    <a:masterClrMapping/>
-  </p:clrMapOvr>
-</p:sld>
-</file>
-
-<file path=ppt/slides/slide16.xml><?xml version="1.0" encoding="utf-8"?>
-<p:sld xmlns:a="http://schemas.openxmlformats.org/drawingml/2006/main" xmlns:r="http://schemas.openxmlformats.org/officeDocument/2006/relationships" xmlns:p="http://schemas.openxmlformats.org/presentationml/2006/main">
-  <p:cSld>
-    <p:spTree>
-      <p:nvGrpSpPr>
-        <p:cNvPr id="1" name=""/>
-        <p:cNvGrpSpPr/>
-        <p:nvPr/>
-      </p:nvGrpSpPr>
-      <p:grpSpPr>
-        <a:xfrm>
-          <a:off x="0" y="0"/>
-          <a:ext cx="0" cy="0"/>
-          <a:chOff x="0" y="0"/>
-          <a:chExt cx="0" cy="0"/>
-        </a:xfrm>
-      </p:grpSpPr>
-      <p:sp>
-        <p:nvSpPr>
-          <p:cNvPr id="2" name="Title 1">
-            <a:extLst>
-              <a:ext uri="{FF2B5EF4-FFF2-40B4-BE49-F238E27FC236}">
-                <a16:creationId xmlns:a16="http://schemas.microsoft.com/office/drawing/2014/main" id="{CCC8EEFF-6788-B8E1-F8C5-1703F8FDCD37}"/>
-              </a:ext>
-            </a:extLst>
-          </p:cNvPr>
-          <p:cNvSpPr>
-            <a:spLocks noGrp="1"/>
-          </p:cNvSpPr>
-          <p:nvPr>
-            <p:ph type="title"/>
-          </p:nvPr>
-        </p:nvSpPr>
-        <p:spPr/>
-        <p:txBody>
-          <a:bodyPr/>
-          <a:lstStyle/>
-          <a:p>
-            <a:r>
-              <a:rPr lang="en-US" dirty="0"/>
-              <a:t>Extras</a:t>
-            </a:r>
-            <a:endParaRPr lang="es-EC" dirty="0"/>
-          </a:p>
-        </p:txBody>
-      </p:sp>
-      <p:sp>
-        <p:nvSpPr>
-          <p:cNvPr id="3" name="Content Placeholder 2">
-            <a:extLst>
-              <a:ext uri="{FF2B5EF4-FFF2-40B4-BE49-F238E27FC236}">
-                <a16:creationId xmlns:a16="http://schemas.microsoft.com/office/drawing/2014/main" id="{C4718E52-750B-77CA-2268-C1952A4D71F6}"/>
-              </a:ext>
-            </a:extLst>
-          </p:cNvPr>
-          <p:cNvSpPr>
-            <a:spLocks noGrp="1"/>
-          </p:cNvSpPr>
-          <p:nvPr>
-            <p:ph idx="1"/>
-          </p:nvPr>
-        </p:nvSpPr>
-        <p:spPr/>
-        <p:txBody>
-          <a:bodyPr>
-            <a:normAutofit fontScale="92500" lnSpcReduction="10000"/>
-          </a:bodyPr>
-          <a:lstStyle/>
-          <a:p>
-            <a:r>
-              <a:rPr lang="es-EC" dirty="0"/>
-              <a:t>Renderizado condicional y dinámico.</a:t>
-            </a:r>
-          </a:p>
-          <a:p>
-            <a:r>
-              <a:rPr lang="es-EC" dirty="0"/>
-              <a:t>Añadir un prop “</a:t>
-            </a:r>
-            <a:r>
-              <a:rPr lang="es-EC" dirty="0" err="1"/>
-              <a:t>verified</a:t>
-            </a:r>
-            <a:r>
-              <a:rPr lang="es-EC" dirty="0"/>
-              <a:t>” para indicar cuando un usuario ha sido verificado. En caso de serlo mostrar una imagen de “</a:t>
-            </a:r>
-            <a:r>
-              <a:rPr lang="es-EC" dirty="0" err="1"/>
-              <a:t>Check</a:t>
-            </a:r>
-            <a:r>
-              <a:rPr lang="es-EC" dirty="0"/>
-              <a:t>” o un texto.</a:t>
-            </a:r>
-          </a:p>
-          <a:p>
-            <a:pPr marL="0" indent="0">
-              <a:buNone/>
-            </a:pPr>
-            <a:endParaRPr lang="es-EC" dirty="0"/>
-          </a:p>
-          <a:p>
-            <a:pPr marL="0" indent="0">
-              <a:buNone/>
-            </a:pPr>
-            <a:endParaRPr lang="es-EC" dirty="0"/>
-          </a:p>
-          <a:p>
-            <a:pPr marL="0" indent="0">
-              <a:buNone/>
-            </a:pPr>
-            <a:endParaRPr lang="es-EC" dirty="0"/>
-          </a:p>
-          <a:p>
-            <a:pPr marL="0" indent="0">
-              <a:buNone/>
-            </a:pPr>
-            <a:endParaRPr lang="es-EC" dirty="0"/>
-          </a:p>
-          <a:p>
-            <a:pPr marL="0" indent="0">
-              <a:buNone/>
-            </a:pPr>
-            <a:endParaRPr lang="es-EC" dirty="0"/>
-          </a:p>
-          <a:p>
-            <a:pPr marL="0" indent="0">
-              <a:buNone/>
-            </a:pPr>
-            <a:endParaRPr lang="es-EC" dirty="0"/>
-          </a:p>
-          <a:p>
-            <a:pPr marL="0" indent="0">
-              <a:buNone/>
-            </a:pPr>
-            <a:r>
-              <a:rPr lang="es-EC" dirty="0"/>
-              <a:t>Documentación: </a:t>
-            </a:r>
-            <a:r>
-              <a:rPr lang="es-EC" dirty="0">
-                <a:hlinkClick r:id="rId2"/>
-              </a:rPr>
-              <a:t>https://react.dev/learn/conditional-rendering</a:t>
-            </a:r>
-            <a:endParaRPr lang="es-EC" dirty="0"/>
-          </a:p>
-          <a:p>
-            <a:pPr marL="0" indent="0">
-              <a:buNone/>
-            </a:pPr>
-            <a:endParaRPr lang="es-EC" dirty="0"/>
-          </a:p>
-          <a:p>
-            <a:endParaRPr lang="es-EC" dirty="0"/>
-          </a:p>
-        </p:txBody>
-      </p:sp>
-    </p:spTree>
-    <p:extLst>
-      <p:ext uri="{BB962C8B-B14F-4D97-AF65-F5344CB8AC3E}">
-        <p14:creationId xmlns:p14="http://schemas.microsoft.com/office/powerpoint/2010/main" val="2574821726"/>
-      </p:ext>
-    </p:extLst>
-  </p:cSld>
-  <p:clrMapOvr>
-    <a:masterClrMapping/>
-  </p:clrMapOvr>
-</p:sld>
-</file>
-
-<file path=ppt/slides/slide2.xml><?xml version="1.0" encoding="utf-8"?>
-<p:sld xmlns:a="http://schemas.openxmlformats.org/drawingml/2006/main" xmlns:r="http://schemas.openxmlformats.org/officeDocument/2006/relationships" xmlns:p="http://schemas.openxmlformats.org/presentationml/2006/main">
-  <p:cSld>
-    <p:spTree>
-      <p:nvGrpSpPr>
-        <p:cNvPr id="1" name=""/>
-        <p:cNvGrpSpPr/>
-        <p:nvPr/>
-      </p:nvGrpSpPr>
-      <p:grpSpPr>
-        <a:xfrm>
-          <a:off x="0" y="0"/>
-          <a:ext cx="0" cy="0"/>
-          <a:chOff x="0" y="0"/>
-          <a:chExt cx="0" cy="0"/>
-        </a:xfrm>
-      </p:grpSpPr>
-      <p:sp>
-        <p:nvSpPr>
-          <p:cNvPr id="2" name="Title 1">
-            <a:extLst>
-              <a:ext uri="{FF2B5EF4-FFF2-40B4-BE49-F238E27FC236}">
-                <a16:creationId xmlns:a16="http://schemas.microsoft.com/office/drawing/2014/main" id="{E11580D9-0299-FCB7-5E55-2FF0B06D897C}"/>
-              </a:ext>
-            </a:extLst>
-          </p:cNvPr>
-          <p:cNvSpPr>
-            <a:spLocks noGrp="1"/>
-          </p:cNvSpPr>
-          <p:nvPr>
-            <p:ph type="title"/>
-          </p:nvPr>
-        </p:nvSpPr>
-        <p:spPr/>
-        <p:txBody>
-          <a:bodyPr/>
-          <a:lstStyle/>
-          <a:p>
-            <a:pPr algn="ctr"/>
-            <a:r>
-              <a:rPr lang="es-EC" dirty="0"/>
-              <a:t>¿Qué es?</a:t>
-            </a:r>
-          </a:p>
-        </p:txBody>
-      </p:sp>
-      <p:sp>
-        <p:nvSpPr>
-          <p:cNvPr id="3" name="Text Placeholder 2">
-            <a:extLst>
-              <a:ext uri="{FF2B5EF4-FFF2-40B4-BE49-F238E27FC236}">
-                <a16:creationId xmlns:a16="http://schemas.microsoft.com/office/drawing/2014/main" id="{0454F8E8-380C-201F-431D-72FDF059208A}"/>
-              </a:ext>
-            </a:extLst>
-          </p:cNvPr>
-          <p:cNvSpPr>
-            <a:spLocks noGrp="1"/>
-          </p:cNvSpPr>
-          <p:nvPr>
-            <p:ph type="body" idx="1"/>
-          </p:nvPr>
-        </p:nvSpPr>
-        <p:spPr/>
-        <p:txBody>
-          <a:bodyPr/>
-          <a:lstStyle/>
-          <a:p>
-            <a:r>
-              <a:rPr lang="es-EC" dirty="0"/>
-              <a:t>Una librería para crear </a:t>
-            </a:r>
-            <a:r>
-              <a:rPr lang="es-EC" dirty="0" err="1"/>
-              <a:t>UIs</a:t>
-            </a:r>
-            <a:r>
-              <a:rPr lang="es-EC" dirty="0"/>
-              <a:t> nativas y web.</a:t>
-            </a:r>
-          </a:p>
-        </p:txBody>
-      </p:sp>
-    </p:spTree>
-    <p:extLst>
-      <p:ext uri="{BB962C8B-B14F-4D97-AF65-F5344CB8AC3E}">
-        <p14:creationId xmlns:p14="http://schemas.microsoft.com/office/powerpoint/2010/main" val="965286506"/>
-      </p:ext>
-    </p:extLst>
-  </p:cSld>
-  <p:clrMapOvr>
-    <a:masterClrMapping/>
-  </p:clrMapOvr>
-</p:sld>
-</file>
-
-<file path=ppt/slides/slide3.xml><?xml version="1.0" encoding="utf-8"?>
-<p:sld xmlns:a="http://schemas.openxmlformats.org/drawingml/2006/main" xmlns:r="http://schemas.openxmlformats.org/officeDocument/2006/relationships" xmlns:p="http://schemas.openxmlformats.org/presentationml/2006/main">
-  <p:cSld>
-    <p:spTree>
-      <p:nvGrpSpPr>
-        <p:cNvPr id="1" name=""/>
-        <p:cNvGrpSpPr/>
-        <p:nvPr/>
-      </p:nvGrpSpPr>
-      <p:grpSpPr>
-        <a:xfrm>
-          <a:off x="0" y="0"/>
-          <a:ext cx="0" cy="0"/>
-          <a:chOff x="0" y="0"/>
-          <a:chExt cx="0" cy="0"/>
-        </a:xfrm>
-      </p:grpSpPr>
-      <p:sp>
-        <p:nvSpPr>
-          <p:cNvPr id="2" name="Title 1">
-            <a:extLst>
-              <a:ext uri="{FF2B5EF4-FFF2-40B4-BE49-F238E27FC236}">
-                <a16:creationId xmlns:a16="http://schemas.microsoft.com/office/drawing/2014/main" id="{E11580D9-0299-FCB7-5E55-2FF0B06D897C}"/>
-              </a:ext>
-            </a:extLst>
-          </p:cNvPr>
-          <p:cNvSpPr>
-            <a:spLocks noGrp="1"/>
-          </p:cNvSpPr>
-          <p:nvPr>
-            <p:ph type="title"/>
-          </p:nvPr>
-        </p:nvSpPr>
-        <p:spPr/>
-        <p:txBody>
-          <a:bodyPr/>
-          <a:lstStyle/>
-          <a:p>
-            <a:pPr algn="ctr"/>
-            <a:r>
-              <a:rPr lang="es-EC" dirty="0"/>
-              <a:t>¿Por qué escogerlo?</a:t>
-            </a:r>
-          </a:p>
-        </p:txBody>
-      </p:sp>
-    </p:spTree>
-    <p:extLst>
-      <p:ext uri="{BB962C8B-B14F-4D97-AF65-F5344CB8AC3E}">
-        <p14:creationId xmlns:p14="http://schemas.microsoft.com/office/powerpoint/2010/main" val="2585933797"/>
+        <p14:creationId xmlns:p14="http://schemas.microsoft.com/office/powerpoint/2010/main" val="2343739559"/>
       </p:ext>
     </p:extLst>
   </p:cSld>
@@ -5106,878 +4154,10 @@
       </p:grpSpPr>
       <p:pic>
         <p:nvPicPr>
-          <p:cNvPr id="1034" name="Picture 10" descr="React Live 2023">
-            <a:extLst>
-              <a:ext uri="{FF2B5EF4-FFF2-40B4-BE49-F238E27FC236}">
-                <a16:creationId xmlns:a16="http://schemas.microsoft.com/office/drawing/2014/main" id="{9BC5FC25-EAB2-0B2F-59D9-685148D69D90}"/>
-              </a:ext>
-            </a:extLst>
-          </p:cNvPr>
-          <p:cNvPicPr>
-            <a:picLocks noChangeAspect="1" noChangeArrowheads="1"/>
-          </p:cNvPicPr>
-          <p:nvPr/>
-        </p:nvPicPr>
-        <p:blipFill>
-          <a:blip r:embed="rId3">
-            <a:extLst>
-              <a:ext uri="{28A0092B-C50C-407E-A947-70E740481C1C}">
-                <a14:useLocalDpi xmlns:a14="http://schemas.microsoft.com/office/drawing/2010/main" val="0"/>
-              </a:ext>
-            </a:extLst>
-          </a:blip>
-          <a:srcRect r="-4" b="65"/>
-          <a:stretch/>
-        </p:blipFill>
-        <p:spPr bwMode="auto">
-          <a:xfrm>
-            <a:off x="20" y="1"/>
-            <a:ext cx="6050258" cy="3400925"/>
-          </a:xfrm>
-          <a:custGeom>
-            <a:avLst/>
-            <a:gdLst/>
-            <a:ahLst/>
-            <a:cxnLst/>
-            <a:rect l="l" t="t" r="r" b="b"/>
-            <a:pathLst>
-              <a:path w="6050278" h="3400925">
-                <a:moveTo>
-                  <a:pt x="0" y="0"/>
-                </a:moveTo>
-                <a:lnTo>
-                  <a:pt x="6050278" y="0"/>
-                </a:lnTo>
-                <a:lnTo>
-                  <a:pt x="6050278" y="1827306"/>
-                </a:lnTo>
-                <a:lnTo>
-                  <a:pt x="3892296" y="1827306"/>
-                </a:lnTo>
-                <a:lnTo>
-                  <a:pt x="3892296" y="3400925"/>
-                </a:lnTo>
-                <a:lnTo>
-                  <a:pt x="0" y="3400925"/>
-                </a:lnTo>
-                <a:close/>
-              </a:path>
-            </a:pathLst>
-          </a:custGeom>
-          <a:noFill/>
-          <a:extLst>
-            <a:ext uri="{909E8E84-426E-40DD-AFC4-6F175D3DCCD1}">
-              <a14:hiddenFill xmlns:a14="http://schemas.microsoft.com/office/drawing/2010/main">
-                <a:solidFill>
-                  <a:srgbClr val="FFFFFF"/>
-                </a:solidFill>
-              </a14:hiddenFill>
-            </a:ext>
-          </a:extLst>
-        </p:spPr>
-      </p:pic>
-      <p:pic>
-        <p:nvPicPr>
-          <p:cNvPr id="1032" name="Picture 8" descr="San Francisco Meetup Recap · React Native">
-            <a:extLst>
-              <a:ext uri="{FF2B5EF4-FFF2-40B4-BE49-F238E27FC236}">
-                <a16:creationId xmlns:a16="http://schemas.microsoft.com/office/drawing/2014/main" id="{594B4A2F-9459-FCBC-AE9A-FD5AAA7041D1}"/>
-              </a:ext>
-            </a:extLst>
-          </p:cNvPr>
-          <p:cNvPicPr>
-            <a:picLocks noChangeAspect="1" noChangeArrowheads="1"/>
-          </p:cNvPicPr>
-          <p:nvPr/>
-        </p:nvPicPr>
-        <p:blipFill>
-          <a:blip r:embed="rId4">
-            <a:extLst>
-              <a:ext uri="{28A0092B-C50C-407E-A947-70E740481C1C}">
-                <a14:useLocalDpi xmlns:a14="http://schemas.microsoft.com/office/drawing/2010/main" val="0"/>
-              </a:ext>
-            </a:extLst>
-          </a:blip>
-          <a:srcRect l="6602" r="1" b="1"/>
-          <a:stretch/>
-        </p:blipFill>
-        <p:spPr bwMode="auto">
-          <a:xfrm>
-            <a:off x="6141722" y="1"/>
-            <a:ext cx="6050278" cy="3400925"/>
-          </a:xfrm>
-          <a:custGeom>
-            <a:avLst/>
-            <a:gdLst/>
-            <a:ahLst/>
-            <a:cxnLst/>
-            <a:rect l="l" t="t" r="r" b="b"/>
-            <a:pathLst>
-              <a:path w="6050278" h="3400925">
-                <a:moveTo>
-                  <a:pt x="0" y="0"/>
-                </a:moveTo>
-                <a:lnTo>
-                  <a:pt x="6050278" y="0"/>
-                </a:lnTo>
-                <a:lnTo>
-                  <a:pt x="6050278" y="3400925"/>
-                </a:lnTo>
-                <a:lnTo>
-                  <a:pt x="2157982" y="3400925"/>
-                </a:lnTo>
-                <a:lnTo>
-                  <a:pt x="2157982" y="1827306"/>
-                </a:lnTo>
-                <a:lnTo>
-                  <a:pt x="0" y="1827306"/>
-                </a:lnTo>
-                <a:close/>
-              </a:path>
-            </a:pathLst>
-          </a:custGeom>
-          <a:noFill/>
-          <a:extLst>
-            <a:ext uri="{909E8E84-426E-40DD-AFC4-6F175D3DCCD1}">
-              <a14:hiddenFill xmlns:a14="http://schemas.microsoft.com/office/drawing/2010/main">
-                <a:solidFill>
-                  <a:srgbClr val="FFFFFF"/>
-                </a:solidFill>
-              </a14:hiddenFill>
-            </a:ext>
-          </a:extLst>
-        </p:spPr>
-      </p:pic>
-      <p:pic>
-        <p:nvPicPr>
-          <p:cNvPr id="1036" name="Picture 12" descr="Here's what I learned at the world's biggest React conference">
-            <a:extLst>
-              <a:ext uri="{FF2B5EF4-FFF2-40B4-BE49-F238E27FC236}">
-                <a16:creationId xmlns:a16="http://schemas.microsoft.com/office/drawing/2014/main" id="{62EF3BE9-78E6-8041-ABE3-D4A9ADEF6DCB}"/>
-              </a:ext>
-            </a:extLst>
-          </p:cNvPr>
-          <p:cNvPicPr>
-            <a:picLocks noChangeAspect="1" noChangeArrowheads="1"/>
-          </p:cNvPicPr>
-          <p:nvPr/>
-        </p:nvPicPr>
-        <p:blipFill>
-          <a:blip r:embed="rId5">
-            <a:extLst>
-              <a:ext uri="{28A0092B-C50C-407E-A947-70E740481C1C}">
-                <a14:useLocalDpi xmlns:a14="http://schemas.microsoft.com/office/drawing/2010/main" val="0"/>
-              </a:ext>
-            </a:extLst>
-          </a:blip>
-          <a:srcRect t="16582" r="2" b="2"/>
-          <a:stretch/>
-        </p:blipFill>
-        <p:spPr bwMode="auto">
-          <a:xfrm>
-            <a:off x="20" y="3489159"/>
-            <a:ext cx="6050258" cy="3368841"/>
-          </a:xfrm>
-          <a:custGeom>
-            <a:avLst/>
-            <a:gdLst/>
-            <a:ahLst/>
-            <a:cxnLst/>
-            <a:rect l="l" t="t" r="r" b="b"/>
-            <a:pathLst>
-              <a:path w="6050278" h="3368841">
-                <a:moveTo>
-                  <a:pt x="0" y="0"/>
-                </a:moveTo>
-                <a:lnTo>
-                  <a:pt x="3892296" y="0"/>
-                </a:lnTo>
-                <a:lnTo>
-                  <a:pt x="3892296" y="1541535"/>
-                </a:lnTo>
-                <a:lnTo>
-                  <a:pt x="6050278" y="1541535"/>
-                </a:lnTo>
-                <a:lnTo>
-                  <a:pt x="6050278" y="3368841"/>
-                </a:lnTo>
-                <a:lnTo>
-                  <a:pt x="0" y="3368841"/>
-                </a:lnTo>
-                <a:close/>
-              </a:path>
-            </a:pathLst>
-          </a:custGeom>
-          <a:noFill/>
-          <a:extLst>
-            <a:ext uri="{909E8E84-426E-40DD-AFC4-6F175D3DCCD1}">
-              <a14:hiddenFill xmlns:a14="http://schemas.microsoft.com/office/drawing/2010/main">
-                <a:solidFill>
-                  <a:srgbClr val="FFFFFF"/>
-                </a:solidFill>
-              </a14:hiddenFill>
-            </a:ext>
-          </a:extLst>
-        </p:spPr>
-      </p:pic>
-      <p:pic>
-        <p:nvPicPr>
-          <p:cNvPr id="1030" name="Picture 6" descr="React JS Melbourne - February Meetup — Kogan.com Dev Blog">
-            <a:extLst>
-              <a:ext uri="{FF2B5EF4-FFF2-40B4-BE49-F238E27FC236}">
-                <a16:creationId xmlns:a16="http://schemas.microsoft.com/office/drawing/2014/main" id="{2D066004-6A9F-92C1-754F-9F5A7986CA02}"/>
-              </a:ext>
-            </a:extLst>
-          </p:cNvPr>
-          <p:cNvPicPr>
-            <a:picLocks noChangeAspect="1" noChangeArrowheads="1"/>
-          </p:cNvPicPr>
-          <p:nvPr/>
-        </p:nvPicPr>
-        <p:blipFill>
-          <a:blip r:embed="rId6">
-            <a:extLst>
-              <a:ext uri="{28A0092B-C50C-407E-A947-70E740481C1C}">
-                <a14:useLocalDpi xmlns:a14="http://schemas.microsoft.com/office/drawing/2010/main" val="0"/>
-              </a:ext>
-            </a:extLst>
-          </a:blip>
-          <a:srcRect t="20171" r="2" b="2"/>
-          <a:stretch/>
-        </p:blipFill>
-        <p:spPr bwMode="auto">
-          <a:xfrm>
-            <a:off x="6141722" y="3489159"/>
-            <a:ext cx="6050278" cy="3368841"/>
-          </a:xfrm>
-          <a:custGeom>
-            <a:avLst/>
-            <a:gdLst/>
-            <a:ahLst/>
-            <a:cxnLst/>
-            <a:rect l="l" t="t" r="r" b="b"/>
-            <a:pathLst>
-              <a:path w="6050278" h="3368841">
-                <a:moveTo>
-                  <a:pt x="2157982" y="0"/>
-                </a:moveTo>
-                <a:lnTo>
-                  <a:pt x="6050278" y="0"/>
-                </a:lnTo>
-                <a:lnTo>
-                  <a:pt x="6050278" y="3368841"/>
-                </a:lnTo>
-                <a:lnTo>
-                  <a:pt x="0" y="3368841"/>
-                </a:lnTo>
-                <a:lnTo>
-                  <a:pt x="0" y="1541535"/>
-                </a:lnTo>
-                <a:lnTo>
-                  <a:pt x="2157982" y="1541535"/>
-                </a:lnTo>
-                <a:close/>
-              </a:path>
-            </a:pathLst>
-          </a:custGeom>
-          <a:noFill/>
-          <a:extLst>
-            <a:ext uri="{909E8E84-426E-40DD-AFC4-6F175D3DCCD1}">
-              <a14:hiddenFill xmlns:a14="http://schemas.microsoft.com/office/drawing/2010/main">
-                <a:solidFill>
-                  <a:srgbClr val="FFFFFF"/>
-                </a:solidFill>
-              </a14:hiddenFill>
-            </a:ext>
-          </a:extLst>
-        </p:spPr>
-      </p:pic>
-      <p:pic>
-        <p:nvPicPr>
-          <p:cNvPr id="1038" name="Picture 14" descr="We'll be giving out Open Source Awards at this year's React Amsterdam 🏆 |  by React Summit | Medium">
-            <a:extLst>
-              <a:ext uri="{FF2B5EF4-FFF2-40B4-BE49-F238E27FC236}">
-                <a16:creationId xmlns:a16="http://schemas.microsoft.com/office/drawing/2014/main" id="{E48AE5E9-A36E-8B21-A7CA-40B0B66E132A}"/>
-              </a:ext>
-            </a:extLst>
-          </p:cNvPr>
-          <p:cNvPicPr>
-            <a:picLocks noChangeAspect="1" noChangeArrowheads="1"/>
-          </p:cNvPicPr>
-          <p:nvPr/>
-        </p:nvPicPr>
-        <p:blipFill>
-          <a:blip r:embed="rId7">
-            <a:extLst>
-              <a:ext uri="{28A0092B-C50C-407E-A947-70E740481C1C}">
-                <a14:useLocalDpi xmlns:a14="http://schemas.microsoft.com/office/drawing/2010/main" val="0"/>
-              </a:ext>
-            </a:extLst>
-          </a:blip>
-          <a:srcRect l="6649" r="4" b="4"/>
-          <a:stretch/>
-        </p:blipFill>
-        <p:spPr bwMode="auto">
-          <a:xfrm>
-            <a:off x="3983736" y="1918638"/>
-            <a:ext cx="4224528" cy="3020725"/>
-          </a:xfrm>
-          <a:prstGeom prst="rect">
-            <a:avLst/>
-          </a:prstGeom>
-          <a:noFill/>
-          <a:extLst>
-            <a:ext uri="{909E8E84-426E-40DD-AFC4-6F175D3DCCD1}">
-              <a14:hiddenFill xmlns:a14="http://schemas.microsoft.com/office/drawing/2010/main">
-                <a:solidFill>
-                  <a:srgbClr val="FFFFFF"/>
-                </a:solidFill>
-              </a14:hiddenFill>
-            </a:ext>
-          </a:extLst>
-        </p:spPr>
-      </p:pic>
-    </p:spTree>
-    <p:extLst>
-      <p:ext uri="{BB962C8B-B14F-4D97-AF65-F5344CB8AC3E}">
-        <p14:creationId xmlns:p14="http://schemas.microsoft.com/office/powerpoint/2010/main" val="3346774127"/>
-      </p:ext>
-    </p:extLst>
-  </p:cSld>
-  <p:clrMapOvr>
-    <a:masterClrMapping/>
-  </p:clrMapOvr>
-</p:sld>
-</file>
-
-<file path=ppt/slides/slide5.xml><?xml version="1.0" encoding="utf-8"?>
-<p:sld xmlns:a="http://schemas.openxmlformats.org/drawingml/2006/main" xmlns:r="http://schemas.openxmlformats.org/officeDocument/2006/relationships" xmlns:p="http://schemas.openxmlformats.org/presentationml/2006/main">
-  <p:cSld>
-    <p:bg>
-      <p:bgPr>
-        <a:solidFill>
-          <a:schemeClr val="bg1"/>
-        </a:solidFill>
-        <a:effectLst/>
-      </p:bgPr>
-    </p:bg>
-    <p:spTree>
-      <p:nvGrpSpPr>
-        <p:cNvPr id="1" name=""/>
-        <p:cNvGrpSpPr/>
-        <p:nvPr/>
-      </p:nvGrpSpPr>
-      <p:grpSpPr>
-        <a:xfrm>
-          <a:off x="0" y="0"/>
-          <a:ext cx="0" cy="0"/>
-          <a:chOff x="0" y="0"/>
-          <a:chExt cx="0" cy="0"/>
-        </a:xfrm>
-      </p:grpSpPr>
-      <p:sp>
-        <p:nvSpPr>
-          <p:cNvPr id="8" name="Rectangle 7">
-            <a:extLst>
-              <a:ext uri="{FF2B5EF4-FFF2-40B4-BE49-F238E27FC236}">
-                <a16:creationId xmlns:a16="http://schemas.microsoft.com/office/drawing/2014/main" id="{42A4FC2C-047E-45A5-965D-8E1E3BF09BC6}"/>
-              </a:ext>
-              <a:ext uri="{C183D7F6-B498-43B3-948B-1728B52AA6E4}">
-                <adec:decorative xmlns:adec="http://schemas.microsoft.com/office/drawing/2017/decorative" val="1"/>
-              </a:ext>
-            </a:extLst>
-          </p:cNvPr>
-          <p:cNvSpPr>
-            <a:spLocks noGrp="1" noRot="1" noChangeAspect="1" noMove="1" noResize="1" noEditPoints="1" noAdjustHandles="1" noChangeArrowheads="1" noChangeShapeType="1" noTextEdit="1"/>
-          </p:cNvSpPr>
-          <p:nvPr>
-            <p:extLst>
-              <p:ext uri="{386F3935-93C4-4BCD-93E2-E3B085C9AB24}">
-                <p16:designElem xmlns:p16="http://schemas.microsoft.com/office/powerpoint/2015/main" val="1"/>
-              </p:ext>
-            </p:extLst>
-          </p:nvPr>
-        </p:nvSpPr>
-        <p:spPr bwMode="white">
-          <a:xfrm>
-            <a:off x="1524" y="0"/>
-            <a:ext cx="12188952" cy="6858000"/>
-          </a:xfrm>
-          <a:prstGeom prst="rect">
-            <a:avLst/>
-          </a:prstGeom>
-          <a:noFill/>
-          <a:ln>
-            <a:noFill/>
-          </a:ln>
-        </p:spPr>
-        <p:style>
-          <a:lnRef idx="2">
-            <a:schemeClr val="accent1">
-              <a:shade val="50000"/>
-            </a:schemeClr>
-          </a:lnRef>
-          <a:fillRef idx="1">
-            <a:schemeClr val="accent1"/>
-          </a:fillRef>
-          <a:effectRef idx="0">
-            <a:schemeClr val="accent1"/>
-          </a:effectRef>
-          <a:fontRef idx="minor">
-            <a:schemeClr val="lt1"/>
-          </a:fontRef>
-        </p:style>
-        <p:txBody>
-          <a:bodyPr rtlCol="0" anchor="ctr"/>
-          <a:lstStyle>
-            <a:defPPr>
-              <a:defRPr lang="en-US"/>
-            </a:defPPr>
-            <a:lvl1pPr marL="0" algn="l" defTabSz="914400" rtl="0" eaLnBrk="1" latinLnBrk="0" hangingPunct="1">
-              <a:defRPr sz="1800" kern="1200">
-                <a:solidFill>
-                  <a:schemeClr val="lt1"/>
-                </a:solidFill>
-                <a:latin typeface="+mn-lt"/>
-                <a:ea typeface="+mn-ea"/>
-                <a:cs typeface="+mn-cs"/>
-              </a:defRPr>
-            </a:lvl1pPr>
-            <a:lvl2pPr marL="457200" algn="l" defTabSz="914400" rtl="0" eaLnBrk="1" latinLnBrk="0" hangingPunct="1">
-              <a:defRPr sz="1800" kern="1200">
-                <a:solidFill>
-                  <a:schemeClr val="lt1"/>
-                </a:solidFill>
-                <a:latin typeface="+mn-lt"/>
-                <a:ea typeface="+mn-ea"/>
-                <a:cs typeface="+mn-cs"/>
-              </a:defRPr>
-            </a:lvl2pPr>
-            <a:lvl3pPr marL="914400" algn="l" defTabSz="914400" rtl="0" eaLnBrk="1" latinLnBrk="0" hangingPunct="1">
-              <a:defRPr sz="1800" kern="1200">
-                <a:solidFill>
-                  <a:schemeClr val="lt1"/>
-                </a:solidFill>
-                <a:latin typeface="+mn-lt"/>
-                <a:ea typeface="+mn-ea"/>
-                <a:cs typeface="+mn-cs"/>
-              </a:defRPr>
-            </a:lvl3pPr>
-            <a:lvl4pPr marL="1371600" algn="l" defTabSz="914400" rtl="0" eaLnBrk="1" latinLnBrk="0" hangingPunct="1">
-              <a:defRPr sz="1800" kern="1200">
-                <a:solidFill>
-                  <a:schemeClr val="lt1"/>
-                </a:solidFill>
-                <a:latin typeface="+mn-lt"/>
-                <a:ea typeface="+mn-ea"/>
-                <a:cs typeface="+mn-cs"/>
-              </a:defRPr>
-            </a:lvl4pPr>
-            <a:lvl5pPr marL="1828800" algn="l" defTabSz="914400" rtl="0" eaLnBrk="1" latinLnBrk="0" hangingPunct="1">
-              <a:defRPr sz="1800" kern="1200">
-                <a:solidFill>
-                  <a:schemeClr val="lt1"/>
-                </a:solidFill>
-                <a:latin typeface="+mn-lt"/>
-                <a:ea typeface="+mn-ea"/>
-                <a:cs typeface="+mn-cs"/>
-              </a:defRPr>
-            </a:lvl5pPr>
-            <a:lvl6pPr marL="2286000" algn="l" defTabSz="914400" rtl="0" eaLnBrk="1" latinLnBrk="0" hangingPunct="1">
-              <a:defRPr sz="1800" kern="1200">
-                <a:solidFill>
-                  <a:schemeClr val="lt1"/>
-                </a:solidFill>
-                <a:latin typeface="+mn-lt"/>
-                <a:ea typeface="+mn-ea"/>
-                <a:cs typeface="+mn-cs"/>
-              </a:defRPr>
-            </a:lvl6pPr>
-            <a:lvl7pPr marL="2743200" algn="l" defTabSz="914400" rtl="0" eaLnBrk="1" latinLnBrk="0" hangingPunct="1">
-              <a:defRPr sz="1800" kern="1200">
-                <a:solidFill>
-                  <a:schemeClr val="lt1"/>
-                </a:solidFill>
-                <a:latin typeface="+mn-lt"/>
-                <a:ea typeface="+mn-ea"/>
-                <a:cs typeface="+mn-cs"/>
-              </a:defRPr>
-            </a:lvl7pPr>
-            <a:lvl8pPr marL="3200400" algn="l" defTabSz="914400" rtl="0" eaLnBrk="1" latinLnBrk="0" hangingPunct="1">
-              <a:defRPr sz="1800" kern="1200">
-                <a:solidFill>
-                  <a:schemeClr val="lt1"/>
-                </a:solidFill>
-                <a:latin typeface="+mn-lt"/>
-                <a:ea typeface="+mn-ea"/>
-                <a:cs typeface="+mn-cs"/>
-              </a:defRPr>
-            </a:lvl8pPr>
-            <a:lvl9pPr marL="3657600" algn="l" defTabSz="914400" rtl="0" eaLnBrk="1" latinLnBrk="0" hangingPunct="1">
-              <a:defRPr sz="1800" kern="1200">
-                <a:solidFill>
-                  <a:schemeClr val="lt1"/>
-                </a:solidFill>
-                <a:latin typeface="+mn-lt"/>
-                <a:ea typeface="+mn-ea"/>
-                <a:cs typeface="+mn-cs"/>
-              </a:defRPr>
-            </a:lvl9pPr>
-          </a:lstStyle>
-          <a:p>
-            <a:pPr algn="ctr"/>
-            <a:endParaRPr lang="en-US"/>
-          </a:p>
-        </p:txBody>
-      </p:sp>
-      <p:pic>
-        <p:nvPicPr>
-          <p:cNvPr id="3" name="Picture 2" descr="A graph with different icons&#10;&#10;Description automatically generated with medium confidence">
-            <a:extLst>
-              <a:ext uri="{FF2B5EF4-FFF2-40B4-BE49-F238E27FC236}">
-                <a16:creationId xmlns:a16="http://schemas.microsoft.com/office/drawing/2014/main" id="{671DC78F-E0C2-A0DA-CAB4-A089AEE8AA02}"/>
-              </a:ext>
-            </a:extLst>
-          </p:cNvPr>
-          <p:cNvPicPr>
-            <a:picLocks noChangeAspect="1"/>
-          </p:cNvPicPr>
-          <p:nvPr/>
-        </p:nvPicPr>
-        <p:blipFill>
-          <a:blip r:embed="rId2"/>
-          <a:srcRect t="1765"/>
-          <a:stretch/>
-        </p:blipFill>
-        <p:spPr>
-          <a:xfrm>
-            <a:off x="20" y="1282"/>
-            <a:ext cx="12191980" cy="6856718"/>
-          </a:xfrm>
-          <a:prstGeom prst="rect">
-            <a:avLst/>
-          </a:prstGeom>
-        </p:spPr>
-      </p:pic>
-    </p:spTree>
-    <p:extLst>
-      <p:ext uri="{BB962C8B-B14F-4D97-AF65-F5344CB8AC3E}">
-        <p14:creationId xmlns:p14="http://schemas.microsoft.com/office/powerpoint/2010/main" val="2328724988"/>
-      </p:ext>
-    </p:extLst>
-  </p:cSld>
-  <p:clrMapOvr>
-    <a:masterClrMapping/>
-  </p:clrMapOvr>
-</p:sld>
-</file>
-
-<file path=ppt/slides/slide6.xml><?xml version="1.0" encoding="utf-8"?>
-<p:sld xmlns:a="http://schemas.openxmlformats.org/drawingml/2006/main" xmlns:r="http://schemas.openxmlformats.org/officeDocument/2006/relationships" xmlns:p="http://schemas.openxmlformats.org/presentationml/2006/main">
-  <p:cSld>
-    <p:bg>
-      <p:bgPr>
-        <a:solidFill>
-          <a:schemeClr val="bg1"/>
-        </a:solidFill>
-        <a:effectLst/>
-      </p:bgPr>
-    </p:bg>
-    <p:spTree>
-      <p:nvGrpSpPr>
-        <p:cNvPr id="1" name=""/>
-        <p:cNvGrpSpPr/>
-        <p:nvPr/>
-      </p:nvGrpSpPr>
-      <p:grpSpPr>
-        <a:xfrm>
-          <a:off x="0" y="0"/>
-          <a:ext cx="0" cy="0"/>
-          <a:chOff x="0" y="0"/>
-          <a:chExt cx="0" cy="0"/>
-        </a:xfrm>
-      </p:grpSpPr>
-      <p:sp>
-        <p:nvSpPr>
-          <p:cNvPr id="2061" name="Rectangle 2060">
-            <a:extLst>
-              <a:ext uri="{FF2B5EF4-FFF2-40B4-BE49-F238E27FC236}">
-                <a16:creationId xmlns:a16="http://schemas.microsoft.com/office/drawing/2014/main" id="{42A4FC2C-047E-45A5-965D-8E1E3BF09BC6}"/>
-              </a:ext>
-              <a:ext uri="{C183D7F6-B498-43B3-948B-1728B52AA6E4}">
-                <adec:decorative xmlns:adec="http://schemas.microsoft.com/office/drawing/2017/decorative" val="1"/>
-              </a:ext>
-            </a:extLst>
-          </p:cNvPr>
-          <p:cNvSpPr>
-            <a:spLocks noGrp="1" noRot="1" noChangeAspect="1" noMove="1" noResize="1" noEditPoints="1" noAdjustHandles="1" noChangeArrowheads="1" noChangeShapeType="1" noTextEdit="1"/>
-          </p:cNvSpPr>
-          <p:nvPr>
-            <p:extLst>
-              <p:ext uri="{386F3935-93C4-4BCD-93E2-E3B085C9AB24}">
-                <p16:designElem xmlns:p16="http://schemas.microsoft.com/office/powerpoint/2015/main" val="1"/>
-              </p:ext>
-            </p:extLst>
-          </p:nvPr>
-        </p:nvSpPr>
-        <p:spPr bwMode="white">
-          <a:xfrm>
-            <a:off x="1524" y="0"/>
-            <a:ext cx="12188952" cy="6858000"/>
-          </a:xfrm>
-          <a:prstGeom prst="rect">
-            <a:avLst/>
-          </a:prstGeom>
-          <a:noFill/>
-          <a:ln>
-            <a:noFill/>
-          </a:ln>
-        </p:spPr>
-        <p:style>
-          <a:lnRef idx="2">
-            <a:schemeClr val="accent1">
-              <a:shade val="50000"/>
-            </a:schemeClr>
-          </a:lnRef>
-          <a:fillRef idx="1">
-            <a:schemeClr val="accent1"/>
-          </a:fillRef>
-          <a:effectRef idx="0">
-            <a:schemeClr val="accent1"/>
-          </a:effectRef>
-          <a:fontRef idx="minor">
-            <a:schemeClr val="lt1"/>
-          </a:fontRef>
-        </p:style>
-        <p:txBody>
-          <a:bodyPr rtlCol="0" anchor="ctr"/>
-          <a:lstStyle>
-            <a:defPPr>
-              <a:defRPr lang="en-US"/>
-            </a:defPPr>
-            <a:lvl1pPr marL="0" algn="l" defTabSz="914400" rtl="0" eaLnBrk="1" latinLnBrk="0" hangingPunct="1">
-              <a:defRPr sz="1800" kern="1200">
-                <a:solidFill>
-                  <a:schemeClr val="lt1"/>
-                </a:solidFill>
-                <a:latin typeface="+mn-lt"/>
-                <a:ea typeface="+mn-ea"/>
-                <a:cs typeface="+mn-cs"/>
-              </a:defRPr>
-            </a:lvl1pPr>
-            <a:lvl2pPr marL="457200" algn="l" defTabSz="914400" rtl="0" eaLnBrk="1" latinLnBrk="0" hangingPunct="1">
-              <a:defRPr sz="1800" kern="1200">
-                <a:solidFill>
-                  <a:schemeClr val="lt1"/>
-                </a:solidFill>
-                <a:latin typeface="+mn-lt"/>
-                <a:ea typeface="+mn-ea"/>
-                <a:cs typeface="+mn-cs"/>
-              </a:defRPr>
-            </a:lvl2pPr>
-            <a:lvl3pPr marL="914400" algn="l" defTabSz="914400" rtl="0" eaLnBrk="1" latinLnBrk="0" hangingPunct="1">
-              <a:defRPr sz="1800" kern="1200">
-                <a:solidFill>
-                  <a:schemeClr val="lt1"/>
-                </a:solidFill>
-                <a:latin typeface="+mn-lt"/>
-                <a:ea typeface="+mn-ea"/>
-                <a:cs typeface="+mn-cs"/>
-              </a:defRPr>
-            </a:lvl3pPr>
-            <a:lvl4pPr marL="1371600" algn="l" defTabSz="914400" rtl="0" eaLnBrk="1" latinLnBrk="0" hangingPunct="1">
-              <a:defRPr sz="1800" kern="1200">
-                <a:solidFill>
-                  <a:schemeClr val="lt1"/>
-                </a:solidFill>
-                <a:latin typeface="+mn-lt"/>
-                <a:ea typeface="+mn-ea"/>
-                <a:cs typeface="+mn-cs"/>
-              </a:defRPr>
-            </a:lvl4pPr>
-            <a:lvl5pPr marL="1828800" algn="l" defTabSz="914400" rtl="0" eaLnBrk="1" latinLnBrk="0" hangingPunct="1">
-              <a:defRPr sz="1800" kern="1200">
-                <a:solidFill>
-                  <a:schemeClr val="lt1"/>
-                </a:solidFill>
-                <a:latin typeface="+mn-lt"/>
-                <a:ea typeface="+mn-ea"/>
-                <a:cs typeface="+mn-cs"/>
-              </a:defRPr>
-            </a:lvl5pPr>
-            <a:lvl6pPr marL="2286000" algn="l" defTabSz="914400" rtl="0" eaLnBrk="1" latinLnBrk="0" hangingPunct="1">
-              <a:defRPr sz="1800" kern="1200">
-                <a:solidFill>
-                  <a:schemeClr val="lt1"/>
-                </a:solidFill>
-                <a:latin typeface="+mn-lt"/>
-                <a:ea typeface="+mn-ea"/>
-                <a:cs typeface="+mn-cs"/>
-              </a:defRPr>
-            </a:lvl6pPr>
-            <a:lvl7pPr marL="2743200" algn="l" defTabSz="914400" rtl="0" eaLnBrk="1" latinLnBrk="0" hangingPunct="1">
-              <a:defRPr sz="1800" kern="1200">
-                <a:solidFill>
-                  <a:schemeClr val="lt1"/>
-                </a:solidFill>
-                <a:latin typeface="+mn-lt"/>
-                <a:ea typeface="+mn-ea"/>
-                <a:cs typeface="+mn-cs"/>
-              </a:defRPr>
-            </a:lvl7pPr>
-            <a:lvl8pPr marL="3200400" algn="l" defTabSz="914400" rtl="0" eaLnBrk="1" latinLnBrk="0" hangingPunct="1">
-              <a:defRPr sz="1800" kern="1200">
-                <a:solidFill>
-                  <a:schemeClr val="lt1"/>
-                </a:solidFill>
-                <a:latin typeface="+mn-lt"/>
-                <a:ea typeface="+mn-ea"/>
-                <a:cs typeface="+mn-cs"/>
-              </a:defRPr>
-            </a:lvl8pPr>
-            <a:lvl9pPr marL="3657600" algn="l" defTabSz="914400" rtl="0" eaLnBrk="1" latinLnBrk="0" hangingPunct="1">
-              <a:defRPr sz="1800" kern="1200">
-                <a:solidFill>
-                  <a:schemeClr val="lt1"/>
-                </a:solidFill>
-                <a:latin typeface="+mn-lt"/>
-                <a:ea typeface="+mn-ea"/>
-                <a:cs typeface="+mn-cs"/>
-              </a:defRPr>
-            </a:lvl9pPr>
-          </a:lstStyle>
-          <a:p>
-            <a:pPr algn="ctr"/>
-            <a:endParaRPr lang="en-US"/>
-          </a:p>
-        </p:txBody>
-      </p:sp>
-      <p:pic>
-        <p:nvPicPr>
-          <p:cNvPr id="2056" name="Picture 8" descr="A couple of people holding a whiteboard and a whiteboard&#10;&#10;Description automatically generated with medium confidence">
-            <a:extLst>
-              <a:ext uri="{FF2B5EF4-FFF2-40B4-BE49-F238E27FC236}">
-                <a16:creationId xmlns:a16="http://schemas.microsoft.com/office/drawing/2014/main" id="{628E22BE-E1D1-E581-1840-2A1F4CC9EF91}"/>
-              </a:ext>
-            </a:extLst>
-          </p:cNvPr>
-          <p:cNvPicPr>
-            <a:picLocks noChangeAspect="1" noChangeArrowheads="1"/>
-          </p:cNvPicPr>
-          <p:nvPr/>
-        </p:nvPicPr>
-        <p:blipFill>
-          <a:blip r:embed="rId2">
-            <a:extLst>
-              <a:ext uri="{28A0092B-C50C-407E-A947-70E740481C1C}">
-                <a14:useLocalDpi xmlns:a14="http://schemas.microsoft.com/office/drawing/2010/main" val="0"/>
-              </a:ext>
-            </a:extLst>
-          </a:blip>
-          <a:srcRect t="19"/>
-          <a:stretch/>
-        </p:blipFill>
-        <p:spPr bwMode="auto">
-          <a:xfrm>
-            <a:off x="20" y="1282"/>
-            <a:ext cx="12191980" cy="6856718"/>
-          </a:xfrm>
-          <a:prstGeom prst="rect">
-            <a:avLst/>
-          </a:prstGeom>
-          <a:noFill/>
-          <a:extLst>
-            <a:ext uri="{909E8E84-426E-40DD-AFC4-6F175D3DCCD1}">
-              <a14:hiddenFill xmlns:a14="http://schemas.microsoft.com/office/drawing/2010/main">
-                <a:solidFill>
-                  <a:srgbClr val="FFFFFF"/>
-                </a:solidFill>
-              </a14:hiddenFill>
-            </a:ext>
-          </a:extLst>
-        </p:spPr>
-      </p:pic>
-      <p:sp>
-        <p:nvSpPr>
-          <p:cNvPr id="2" name="AutoShape 2" descr="web and mobile app development">
-            <a:extLst>
-              <a:ext uri="{FF2B5EF4-FFF2-40B4-BE49-F238E27FC236}">
-                <a16:creationId xmlns:a16="http://schemas.microsoft.com/office/drawing/2014/main" id="{9B54D8C9-66CC-6C15-A386-9E388B45E212}"/>
-              </a:ext>
-            </a:extLst>
-          </p:cNvPr>
-          <p:cNvSpPr>
-            <a:spLocks noChangeAspect="1" noChangeArrowheads="1"/>
-          </p:cNvSpPr>
-          <p:nvPr/>
-        </p:nvSpPr>
-        <p:spPr bwMode="auto">
-          <a:xfrm>
-            <a:off x="5943600" y="3276600"/>
-            <a:ext cx="304800" cy="304800"/>
-          </a:xfrm>
-          <a:prstGeom prst="rect">
-            <a:avLst/>
-          </a:prstGeom>
-          <a:noFill/>
-          <a:extLst>
-            <a:ext uri="{909E8E84-426E-40DD-AFC4-6F175D3DCCD1}">
-              <a14:hiddenFill xmlns:a14="http://schemas.microsoft.com/office/drawing/2010/main">
-                <a:solidFill>
-                  <a:srgbClr val="FFFFFF"/>
-                </a:solidFill>
-              </a14:hiddenFill>
-            </a:ext>
-          </a:extLst>
-        </p:spPr>
-        <p:txBody>
-          <a:bodyPr vert="horz" wrap="square" lIns="91440" tIns="45720" rIns="91440" bIns="45720" numCol="1" anchor="t" anchorCtr="0" compatLnSpc="1">
-            <a:prstTxWarp prst="textNoShape">
-              <a:avLst/>
-            </a:prstTxWarp>
-          </a:bodyPr>
-          <a:lstStyle/>
-          <a:p>
-            <a:endParaRPr lang="es-EC"/>
-          </a:p>
-        </p:txBody>
-      </p:sp>
-    </p:spTree>
-    <p:extLst>
-      <p:ext uri="{BB962C8B-B14F-4D97-AF65-F5344CB8AC3E}">
-        <p14:creationId xmlns:p14="http://schemas.microsoft.com/office/powerpoint/2010/main" val="3683263700"/>
-      </p:ext>
-    </p:extLst>
-  </p:cSld>
-  <p:clrMapOvr>
-    <a:masterClrMapping/>
-  </p:clrMapOvr>
-</p:sld>
-</file>
-
-<file path=ppt/slides/slide7.xml><?xml version="1.0" encoding="utf-8"?>
-<p:sld xmlns:a="http://schemas.openxmlformats.org/drawingml/2006/main" xmlns:r="http://schemas.openxmlformats.org/officeDocument/2006/relationships" xmlns:p="http://schemas.openxmlformats.org/presentationml/2006/main">
-  <p:cSld>
-    <p:spTree>
-      <p:nvGrpSpPr>
-        <p:cNvPr id="1" name=""/>
-        <p:cNvGrpSpPr/>
-        <p:nvPr/>
-      </p:nvGrpSpPr>
-      <p:grpSpPr>
-        <a:xfrm>
-          <a:off x="0" y="0"/>
-          <a:ext cx="0" cy="0"/>
-          <a:chOff x="0" y="0"/>
-          <a:chExt cx="0" cy="0"/>
-        </a:xfrm>
-      </p:grpSpPr>
-      <p:pic>
-        <p:nvPicPr>
-          <p:cNvPr id="11" name="Picture 10">
-            <a:extLst>
-              <a:ext uri="{FF2B5EF4-FFF2-40B4-BE49-F238E27FC236}">
-                <a16:creationId xmlns:a16="http://schemas.microsoft.com/office/drawing/2014/main" id="{C348BBD7-27EB-05B8-F063-72F3F9086E31}"/>
+          <p:cNvPr id="3" name="Picture 2">
+            <a:extLst>
+              <a:ext uri="{FF2B5EF4-FFF2-40B4-BE49-F238E27FC236}">
+                <a16:creationId xmlns:a16="http://schemas.microsoft.com/office/drawing/2014/main" id="{64447DBE-7D3C-1050-25CA-E037558093ED}"/>
               </a:ext>
             </a:extLst>
           </p:cNvPr>
@@ -5994,8 +4174,8 @@
         </p:blipFill>
         <p:spPr>
           <a:xfrm>
-            <a:off x="372537" y="-74"/>
-            <a:ext cx="5551715" cy="6835785"/>
+            <a:off x="710619" y="298542"/>
+            <a:ext cx="4836432" cy="6122067"/>
           </a:xfrm>
           <a:prstGeom prst="rect">
             <a:avLst/>
@@ -6004,10 +4184,10 @@
       </p:pic>
       <p:pic>
         <p:nvPicPr>
-          <p:cNvPr id="13" name="Picture 12">
-            <a:extLst>
-              <a:ext uri="{FF2B5EF4-FFF2-40B4-BE49-F238E27FC236}">
-                <a16:creationId xmlns:a16="http://schemas.microsoft.com/office/drawing/2014/main" id="{D63D8C3E-E7E7-8B6E-F6C1-E352F34C90E1}"/>
+          <p:cNvPr id="5" name="Picture 4">
+            <a:extLst>
+              <a:ext uri="{FF2B5EF4-FFF2-40B4-BE49-F238E27FC236}">
+                <a16:creationId xmlns:a16="http://schemas.microsoft.com/office/drawing/2014/main" id="{06A0F514-E98E-557C-F4CC-4DB21A4F3528}"/>
               </a:ext>
             </a:extLst>
           </p:cNvPr>
@@ -6024,8 +4204,8 @@
         </p:blipFill>
         <p:spPr>
           <a:xfrm>
-            <a:off x="6663356" y="0"/>
-            <a:ext cx="5156107" cy="6858000"/>
+            <a:off x="5878755" y="1139330"/>
+            <a:ext cx="5815035" cy="4579339"/>
           </a:xfrm>
           <a:prstGeom prst="rect">
             <a:avLst/>
@@ -6035,155 +4215,7 @@
     </p:spTree>
     <p:extLst>
       <p:ext uri="{BB962C8B-B14F-4D97-AF65-F5344CB8AC3E}">
-        <p14:creationId xmlns:p14="http://schemas.microsoft.com/office/powerpoint/2010/main" val="2322019655"/>
-      </p:ext>
-    </p:extLst>
-  </p:cSld>
-  <p:clrMapOvr>
-    <a:masterClrMapping/>
-  </p:clrMapOvr>
-</p:sld>
-</file>
-
-<file path=ppt/slides/slide8.xml><?xml version="1.0" encoding="utf-8"?>
-<p:sld xmlns:a="http://schemas.openxmlformats.org/drawingml/2006/main" xmlns:r="http://schemas.openxmlformats.org/officeDocument/2006/relationships" xmlns:p="http://schemas.openxmlformats.org/presentationml/2006/main">
-  <p:cSld>
-    <p:spTree>
-      <p:nvGrpSpPr>
-        <p:cNvPr id="1" name=""/>
-        <p:cNvGrpSpPr/>
-        <p:nvPr/>
-      </p:nvGrpSpPr>
-      <p:grpSpPr>
-        <a:xfrm>
-          <a:off x="0" y="0"/>
-          <a:ext cx="0" cy="0"/>
-          <a:chOff x="0" y="0"/>
-          <a:chExt cx="0" cy="0"/>
-        </a:xfrm>
-      </p:grpSpPr>
-      <p:pic>
-        <p:nvPicPr>
-          <p:cNvPr id="3074" name="Picture 2" descr="Writing Semantic HTML - DEV Community">
-            <a:extLst>
-              <a:ext uri="{FF2B5EF4-FFF2-40B4-BE49-F238E27FC236}">
-                <a16:creationId xmlns:a16="http://schemas.microsoft.com/office/drawing/2014/main" id="{6CCD9D0A-7E56-7CDF-A9FA-BA7FB593DB01}"/>
-              </a:ext>
-            </a:extLst>
-          </p:cNvPr>
-          <p:cNvPicPr>
-            <a:picLocks noChangeAspect="1" noChangeArrowheads="1"/>
-          </p:cNvPicPr>
-          <p:nvPr/>
-        </p:nvPicPr>
-        <p:blipFill>
-          <a:blip r:embed="rId2">
-            <a:extLst>
-              <a:ext uri="{28A0092B-C50C-407E-A947-70E740481C1C}">
-                <a14:useLocalDpi xmlns:a14="http://schemas.microsoft.com/office/drawing/2010/main" val="0"/>
-              </a:ext>
-            </a:extLst>
-          </a:blip>
-          <a:srcRect/>
-          <a:stretch>
-            <a:fillRect/>
-          </a:stretch>
-        </p:blipFill>
-        <p:spPr bwMode="auto">
-          <a:xfrm>
-            <a:off x="2981325" y="0"/>
-            <a:ext cx="6227763" cy="6858000"/>
-          </a:xfrm>
-          <a:prstGeom prst="rect">
-            <a:avLst/>
-          </a:prstGeom>
-          <a:noFill/>
-          <a:extLst>
-            <a:ext uri="{909E8E84-426E-40DD-AFC4-6F175D3DCCD1}">
-              <a14:hiddenFill xmlns:a14="http://schemas.microsoft.com/office/drawing/2010/main">
-                <a:solidFill>
-                  <a:srgbClr val="FFFFFF"/>
-                </a:solidFill>
-              </a14:hiddenFill>
-            </a:ext>
-          </a:extLst>
-        </p:spPr>
-      </p:pic>
-    </p:spTree>
-    <p:extLst>
-      <p:ext uri="{BB962C8B-B14F-4D97-AF65-F5344CB8AC3E}">
-        <p14:creationId xmlns:p14="http://schemas.microsoft.com/office/powerpoint/2010/main" val="3182085201"/>
-      </p:ext>
-    </p:extLst>
-  </p:cSld>
-  <p:clrMapOvr>
-    <a:masterClrMapping/>
-  </p:clrMapOvr>
-</p:sld>
-</file>
-
-<file path=ppt/slides/slide9.xml><?xml version="1.0" encoding="utf-8"?>
-<p:sld xmlns:a="http://schemas.openxmlformats.org/drawingml/2006/main" xmlns:r="http://schemas.openxmlformats.org/officeDocument/2006/relationships" xmlns:p="http://schemas.openxmlformats.org/presentationml/2006/main">
-  <p:cSld>
-    <p:spTree>
-      <p:nvGrpSpPr>
-        <p:cNvPr id="1" name=""/>
-        <p:cNvGrpSpPr/>
-        <p:nvPr/>
-      </p:nvGrpSpPr>
-      <p:grpSpPr>
-        <a:xfrm>
-          <a:off x="0" y="0"/>
-          <a:ext cx="0" cy="0"/>
-          <a:chOff x="0" y="0"/>
-          <a:chExt cx="0" cy="0"/>
-        </a:xfrm>
-      </p:grpSpPr>
-      <p:sp>
-        <p:nvSpPr>
-          <p:cNvPr id="2" name="Title 1">
-            <a:extLst>
-              <a:ext uri="{FF2B5EF4-FFF2-40B4-BE49-F238E27FC236}">
-                <a16:creationId xmlns:a16="http://schemas.microsoft.com/office/drawing/2014/main" id="{CB9778FA-2D30-7EA4-3A6A-A815A425D106}"/>
-              </a:ext>
-            </a:extLst>
-          </p:cNvPr>
-          <p:cNvSpPr>
-            <a:spLocks noGrp="1"/>
-          </p:cNvSpPr>
-          <p:nvPr>
-            <p:ph type="title"/>
-          </p:nvPr>
-        </p:nvSpPr>
-        <p:spPr/>
-        <p:txBody>
-          <a:bodyPr/>
-          <a:lstStyle/>
-          <a:p>
-            <a:r>
-              <a:rPr lang="en-US" dirty="0"/>
-              <a:t>Mi primer </a:t>
-            </a:r>
-            <a:r>
-              <a:rPr lang="en-US" dirty="0" err="1"/>
-              <a:t>proyecto</a:t>
-            </a:r>
-            <a:r>
-              <a:rPr lang="en-US" dirty="0"/>
-              <a:t> </a:t>
-            </a:r>
-            <a:r>
-              <a:rPr lang="en-US" dirty="0" err="1"/>
-              <a:t>ReactJs</a:t>
-            </a:r>
-            <a:endParaRPr lang="es-EC" dirty="0"/>
-          </a:p>
-        </p:txBody>
-      </p:sp>
-    </p:spTree>
-    <p:extLst>
-      <p:ext uri="{BB962C8B-B14F-4D97-AF65-F5344CB8AC3E}">
-        <p14:creationId xmlns:p14="http://schemas.microsoft.com/office/powerpoint/2010/main" val="1997273396"/>
+        <p14:creationId xmlns:p14="http://schemas.microsoft.com/office/powerpoint/2010/main" val="637466271"/>
       </p:ext>
     </p:extLst>
   </p:cSld>
@@ -6824,6 +4856,15 @@
 </file>
 
 <file path=customXml/item1.xml><?xml version="1.0" encoding="utf-8"?>
+<?mso-contentType ?>
+<FormTemplates xmlns="http://schemas.microsoft.com/sharepoint/v3/contenttype/forms">
+  <Display>DocumentLibraryForm</Display>
+  <Edit>DocumentLibraryForm</Edit>
+  <New>DocumentLibraryForm</New>
+</FormTemplates>
+</file>
+
+<file path=customXml/item2.xml><?xml version="1.0" encoding="utf-8"?>
 <ct:contentTypeSchema xmlns:ct="http://schemas.microsoft.com/office/2006/metadata/contentType" xmlns:ma="http://schemas.microsoft.com/office/2006/metadata/properties/metaAttributes" ct:_="" ma:_="" ma:contentTypeName="Documento" ma:contentTypeID="0x0101000ABC46EDA268834388609BD5B286F917" ma:contentTypeVersion="17" ma:contentTypeDescription="Crear nuevo documento." ma:contentTypeScope="" ma:versionID="b8ef759d716670bba47381dcbb7cab08">
   <xsd:schema xmlns:xsd="http://www.w3.org/2001/XMLSchema" xmlns:xs="http://www.w3.org/2001/XMLSchema" xmlns:p="http://schemas.microsoft.com/office/2006/metadata/properties" xmlns:ns3="98b3f1ad-107c-497c-bb15-64aaebc89f52" xmlns:ns4="a0690ee9-4047-4223-84b2-6b02f926f5d8" targetNamespace="http://schemas.microsoft.com/office/2006/metadata/properties" ma:root="true" ma:fieldsID="f0548e293e02a81e2d97140f47270d75" ns3:_="" ns4:_="">
     <xsd:import namespace="98b3f1ad-107c-497c-bb15-64aaebc89f52"/>
@@ -7070,15 +5111,6 @@
 </ct:contentTypeSchema>
 </file>
 
-<file path=customXml/item2.xml><?xml version="1.0" encoding="utf-8"?>
-<?mso-contentType ?>
-<FormTemplates xmlns="http://schemas.microsoft.com/sharepoint/v3/contenttype/forms">
-  <Display>DocumentLibraryForm</Display>
-  <Edit>DocumentLibraryForm</Edit>
-  <New>DocumentLibraryForm</New>
-</FormTemplates>
-</file>
-
 <file path=customXml/item3.xml><?xml version="1.0" encoding="utf-8"?>
 <p:properties xmlns:p="http://schemas.microsoft.com/office/2006/metadata/properties" xmlns:xsi="http://www.w3.org/2001/XMLSchema-instance" xmlns:pc="http://schemas.microsoft.com/office/infopath/2007/PartnerControls">
   <documentManagement>
@@ -7088,6 +5120,14 @@
 </file>
 
 <file path=customXml/itemProps1.xml><?xml version="1.0" encoding="utf-8"?>
+<ds:datastoreItem xmlns:ds="http://schemas.openxmlformats.org/officeDocument/2006/customXml" ds:itemID="{F5C501D5-0101-419A-AFBB-D8F04111C142}">
+  <ds:schemaRefs>
+    <ds:schemaRef ds:uri="http://schemas.microsoft.com/sharepoint/v3/contenttype/forms"/>
+  </ds:schemaRefs>
+</ds:datastoreItem>
+</file>
+
+<file path=customXml/itemProps2.xml><?xml version="1.0" encoding="utf-8"?>
 <ds:datastoreItem xmlns:ds="http://schemas.openxmlformats.org/officeDocument/2006/customXml" ds:itemID="{3FCEF456-3233-44D6-BC5A-12E8FD4D2764}">
   <ds:schemaRefs>
     <ds:schemaRef ds:uri="http://schemas.microsoft.com/office/2006/metadata/contentType"/>
@@ -7102,14 +5142,6 @@
     <ds:schemaRef ds:uri="http://purl.org/dc/elements/1.1/"/>
     <ds:schemaRef ds:uri="http://purl.org/dc/terms/"/>
     <ds:schemaRef ds:uri="http://schemas.microsoft.com/internal/obd"/>
-  </ds:schemaRefs>
-</ds:datastoreItem>
-</file>
-
-<file path=customXml/itemProps2.xml><?xml version="1.0" encoding="utf-8"?>
-<ds:datastoreItem xmlns:ds="http://schemas.openxmlformats.org/officeDocument/2006/customXml" ds:itemID="{F5C501D5-0101-419A-AFBB-D8F04111C142}">
-  <ds:schemaRefs>
-    <ds:schemaRef ds:uri="http://schemas.microsoft.com/sharepoint/v3/contenttype/forms"/>
   </ds:schemaRefs>
 </ds:datastoreItem>
 </file>

--- a/Unidad_4/Presentación.pptx
+++ b/Unidad_4/Presentación.pptx
@@ -5,13 +5,14 @@
     <p:sldMasterId id="2147483648" r:id="rId4"/>
   </p:sldMasterIdLst>
   <p:notesMasterIdLst>
-    <p:notesMasterId r:id="rId9"/>
+    <p:notesMasterId r:id="rId10"/>
   </p:notesMasterIdLst>
   <p:sldIdLst>
     <p:sldId id="256" r:id="rId5"/>
     <p:sldId id="257" r:id="rId6"/>
     <p:sldId id="258" r:id="rId7"/>
     <p:sldId id="259" r:id="rId8"/>
+    <p:sldId id="260" r:id="rId9"/>
   </p:sldIdLst>
   <p:sldSz cx="12192000" cy="6858000"/>
   <p:notesSz cx="6858000" cy="9144000"/>
@@ -211,7 +212,7 @@
           <a:p>
             <a:fld id="{F29DC657-A5B9-41B4-AB57-79E3DB3481E8}" type="datetimeFigureOut">
               <a:rPr lang="en-US" smtClean="0"/>
-              <a:t>9/18/2024</a:t>
+              <a:t>9/18/24</a:t>
             </a:fld>
             <a:endParaRPr lang="en-US"/>
           </a:p>
@@ -709,7 +710,7 @@
           <a:p>
             <a:fld id="{E0B89D21-97A6-4434-B3B1-BAF5738D61F3}" type="datetimeFigureOut">
               <a:rPr lang="en-US" smtClean="0"/>
-              <a:t>9/18/2024</a:t>
+              <a:t>9/18/24</a:t>
             </a:fld>
             <a:endParaRPr lang="en-US"/>
           </a:p>
@@ -907,7 +908,7 @@
           <a:p>
             <a:fld id="{E0B89D21-97A6-4434-B3B1-BAF5738D61F3}" type="datetimeFigureOut">
               <a:rPr lang="en-US" smtClean="0"/>
-              <a:t>9/18/2024</a:t>
+              <a:t>9/18/24</a:t>
             </a:fld>
             <a:endParaRPr lang="en-US"/>
           </a:p>
@@ -1115,7 +1116,7 @@
           <a:p>
             <a:fld id="{E0B89D21-97A6-4434-B3B1-BAF5738D61F3}" type="datetimeFigureOut">
               <a:rPr lang="en-US" smtClean="0"/>
-              <a:t>9/18/2024</a:t>
+              <a:t>9/18/24</a:t>
             </a:fld>
             <a:endParaRPr lang="en-US"/>
           </a:p>
@@ -1382,7 +1383,7 @@
           <a:p>
             <a:fld id="{E0B89D21-97A6-4434-B3B1-BAF5738D61F3}" type="datetimeFigureOut">
               <a:rPr lang="en-US" smtClean="0"/>
-              <a:t>9/18/2024</a:t>
+              <a:t>9/18/24</a:t>
             </a:fld>
             <a:endParaRPr lang="en-US"/>
           </a:p>
@@ -1657,7 +1658,7 @@
           <a:p>
             <a:fld id="{E0B89D21-97A6-4434-B3B1-BAF5738D61F3}" type="datetimeFigureOut">
               <a:rPr lang="en-US" smtClean="0"/>
-              <a:t>9/18/2024</a:t>
+              <a:t>9/18/24</a:t>
             </a:fld>
             <a:endParaRPr lang="en-US"/>
           </a:p>
@@ -1922,7 +1923,7 @@
           <a:p>
             <a:fld id="{E0B89D21-97A6-4434-B3B1-BAF5738D61F3}" type="datetimeFigureOut">
               <a:rPr lang="en-US" smtClean="0"/>
-              <a:t>9/18/2024</a:t>
+              <a:t>9/18/24</a:t>
             </a:fld>
             <a:endParaRPr lang="en-US"/>
           </a:p>
@@ -2334,7 +2335,7 @@
           <a:p>
             <a:fld id="{E0B89D21-97A6-4434-B3B1-BAF5738D61F3}" type="datetimeFigureOut">
               <a:rPr lang="en-US" smtClean="0"/>
-              <a:t>9/18/2024</a:t>
+              <a:t>9/18/24</a:t>
             </a:fld>
             <a:endParaRPr lang="en-US"/>
           </a:p>
@@ -2475,7 +2476,7 @@
           <a:p>
             <a:fld id="{E0B89D21-97A6-4434-B3B1-BAF5738D61F3}" type="datetimeFigureOut">
               <a:rPr lang="en-US" smtClean="0"/>
-              <a:t>9/18/2024</a:t>
+              <a:t>9/18/24</a:t>
             </a:fld>
             <a:endParaRPr lang="en-US"/>
           </a:p>
@@ -2588,7 +2589,7 @@
           <a:p>
             <a:fld id="{E0B89D21-97A6-4434-B3B1-BAF5738D61F3}" type="datetimeFigureOut">
               <a:rPr lang="en-US" smtClean="0"/>
-              <a:t>9/18/2024</a:t>
+              <a:t>9/18/24</a:t>
             </a:fld>
             <a:endParaRPr lang="en-US"/>
           </a:p>
@@ -2899,7 +2900,7 @@
           <a:p>
             <a:fld id="{E0B89D21-97A6-4434-B3B1-BAF5738D61F3}" type="datetimeFigureOut">
               <a:rPr lang="en-US" smtClean="0"/>
-              <a:t>9/18/2024</a:t>
+              <a:t>9/18/24</a:t>
             </a:fld>
             <a:endParaRPr lang="en-US"/>
           </a:p>
@@ -3187,7 +3188,7 @@
           <a:p>
             <a:fld id="{E0B89D21-97A6-4434-B3B1-BAF5738D61F3}" type="datetimeFigureOut">
               <a:rPr lang="en-US" smtClean="0"/>
-              <a:t>9/18/2024</a:t>
+              <a:t>9/18/24</a:t>
             </a:fld>
             <a:endParaRPr lang="en-US"/>
           </a:p>
@@ -3428,7 +3429,7 @@
           <a:p>
             <a:fld id="{E0B89D21-97A6-4434-B3B1-BAF5738D61F3}" type="datetimeFigureOut">
               <a:rPr lang="en-US" smtClean="0"/>
-              <a:t>9/18/2024</a:t>
+              <a:t>9/18/24</a:t>
             </a:fld>
             <a:endParaRPr lang="en-US"/>
           </a:p>
@@ -4216,6 +4217,159 @@
     <p:extLst>
       <p:ext uri="{BB962C8B-B14F-4D97-AF65-F5344CB8AC3E}">
         <p14:creationId xmlns:p14="http://schemas.microsoft.com/office/powerpoint/2010/main" val="637466271"/>
+      </p:ext>
+    </p:extLst>
+  </p:cSld>
+  <p:clrMapOvr>
+    <a:masterClrMapping/>
+  </p:clrMapOvr>
+</p:sld>
+</file>
+
+<file path=ppt/slides/slide5.xml><?xml version="1.0" encoding="utf-8"?>
+<p:sld xmlns:a="http://schemas.openxmlformats.org/drawingml/2006/main" xmlns:r="http://schemas.openxmlformats.org/officeDocument/2006/relationships" xmlns:p="http://schemas.openxmlformats.org/presentationml/2006/main">
+  <p:cSld>
+    <p:spTree>
+      <p:nvGrpSpPr>
+        <p:cNvPr id="1" name=""/>
+        <p:cNvGrpSpPr/>
+        <p:nvPr/>
+      </p:nvGrpSpPr>
+      <p:grpSpPr>
+        <a:xfrm>
+          <a:off x="0" y="0"/>
+          <a:ext cx="0" cy="0"/>
+          <a:chOff x="0" y="0"/>
+          <a:chExt cx="0" cy="0"/>
+        </a:xfrm>
+      </p:grpSpPr>
+      <p:sp>
+        <p:nvSpPr>
+          <p:cNvPr id="2" name="Title 1">
+            <a:extLst>
+              <a:ext uri="{FF2B5EF4-FFF2-40B4-BE49-F238E27FC236}">
+                <a16:creationId xmlns:a16="http://schemas.microsoft.com/office/drawing/2014/main" id="{D26F2126-3FD5-5E68-567B-A3C29613AC39}"/>
+              </a:ext>
+            </a:extLst>
+          </p:cNvPr>
+          <p:cNvSpPr>
+            <a:spLocks noGrp="1"/>
+          </p:cNvSpPr>
+          <p:nvPr>
+            <p:ph type="title"/>
+          </p:nvPr>
+        </p:nvSpPr>
+        <p:spPr/>
+        <p:txBody>
+          <a:bodyPr/>
+          <a:lstStyle/>
+          <a:p>
+            <a:r>
+              <a:rPr lang="es-ES_tradnl" dirty="0"/>
+              <a:t>Usando </a:t>
+            </a:r>
+            <a:r>
+              <a:rPr lang="es-ES_tradnl" dirty="0" err="1"/>
+              <a:t>Hooks</a:t>
+            </a:r>
+            <a:endParaRPr lang="es-ES_tradnl" dirty="0"/>
+          </a:p>
+        </p:txBody>
+      </p:sp>
+      <p:sp>
+        <p:nvSpPr>
+          <p:cNvPr id="3" name="Content Placeholder 2">
+            <a:extLst>
+              <a:ext uri="{FF2B5EF4-FFF2-40B4-BE49-F238E27FC236}">
+                <a16:creationId xmlns:a16="http://schemas.microsoft.com/office/drawing/2014/main" id="{B320F7D5-B5C3-D533-424A-F7CA08C4284C}"/>
+              </a:ext>
+            </a:extLst>
+          </p:cNvPr>
+          <p:cNvSpPr>
+            <a:spLocks noGrp="1"/>
+          </p:cNvSpPr>
+          <p:nvPr>
+            <p:ph idx="1"/>
+          </p:nvPr>
+        </p:nvSpPr>
+        <p:spPr/>
+        <p:txBody>
+          <a:bodyPr/>
+          <a:lstStyle/>
+          <a:p>
+            <a:r>
+              <a:rPr lang="es-ES_tradnl" dirty="0"/>
+              <a:t>Crear un nuevo URL “</a:t>
+            </a:r>
+            <a:r>
+              <a:rPr lang="es-ES_tradnl" dirty="0" err="1"/>
+              <a:t>users</a:t>
+            </a:r>
+            <a:r>
+              <a:rPr lang="es-ES_tradnl" dirty="0"/>
+              <a:t>/</a:t>
+            </a:r>
+            <a:r>
+              <a:rPr lang="es-ES_tradnl" dirty="0" err="1"/>
+              <a:t>form</a:t>
+            </a:r>
+            <a:r>
+              <a:rPr lang="es-ES_tradnl" dirty="0"/>
+              <a:t>/:</a:t>
+            </a:r>
+            <a:r>
+              <a:rPr lang="es-ES_tradnl"/>
+              <a:t>index?” </a:t>
+            </a:r>
+            <a:r>
+              <a:rPr lang="es-ES_tradnl" dirty="0"/>
+              <a:t>para una vista de formulario.</a:t>
+            </a:r>
+          </a:p>
+          <a:p>
+            <a:r>
+              <a:rPr lang="es-ES_tradnl" dirty="0"/>
+              <a:t>Crear un formulario para </a:t>
+            </a:r>
+            <a:r>
+              <a:rPr lang="es-ES_tradnl" dirty="0" err="1"/>
+              <a:t>name</a:t>
+            </a:r>
+            <a:r>
+              <a:rPr lang="es-ES_tradnl" dirty="0"/>
+              <a:t>, </a:t>
+            </a:r>
+            <a:r>
+              <a:rPr lang="es-ES_tradnl" dirty="0" err="1"/>
+              <a:t>age</a:t>
+            </a:r>
+            <a:r>
+              <a:rPr lang="es-ES_tradnl" dirty="0"/>
+              <a:t>, </a:t>
+            </a:r>
+            <a:r>
+              <a:rPr lang="es-ES_tradnl" dirty="0" err="1"/>
+              <a:t>city</a:t>
+            </a:r>
+            <a:r>
+              <a:rPr lang="es-ES_tradnl" dirty="0"/>
+              <a:t> y </a:t>
+            </a:r>
+            <a:r>
+              <a:rPr lang="es-ES_tradnl" dirty="0" err="1"/>
+              <a:t>verified</a:t>
+            </a:r>
+            <a:r>
+              <a:rPr lang="es-ES_tradnl" dirty="0"/>
+              <a:t>.</a:t>
+            </a:r>
+          </a:p>
+        </p:txBody>
+      </p:sp>
+    </p:spTree>
+    <p:extLst>
+      <p:ext uri="{BB962C8B-B14F-4D97-AF65-F5344CB8AC3E}">
+        <p14:creationId xmlns:p14="http://schemas.microsoft.com/office/powerpoint/2010/main" val="2414382881"/>
       </p:ext>
     </p:extLst>
   </p:cSld>
@@ -4856,15 +5010,6 @@
 </file>
 
 <file path=customXml/item1.xml><?xml version="1.0" encoding="utf-8"?>
-<?mso-contentType ?>
-<FormTemplates xmlns="http://schemas.microsoft.com/sharepoint/v3/contenttype/forms">
-  <Display>DocumentLibraryForm</Display>
-  <Edit>DocumentLibraryForm</Edit>
-  <New>DocumentLibraryForm</New>
-</FormTemplates>
-</file>
-
-<file path=customXml/item2.xml><?xml version="1.0" encoding="utf-8"?>
 <ct:contentTypeSchema xmlns:ct="http://schemas.microsoft.com/office/2006/metadata/contentType" xmlns:ma="http://schemas.microsoft.com/office/2006/metadata/properties/metaAttributes" ct:_="" ma:_="" ma:contentTypeName="Documento" ma:contentTypeID="0x0101000ABC46EDA268834388609BD5B286F917" ma:contentTypeVersion="17" ma:contentTypeDescription="Crear nuevo documento." ma:contentTypeScope="" ma:versionID="b8ef759d716670bba47381dcbb7cab08">
   <xsd:schema xmlns:xsd="http://www.w3.org/2001/XMLSchema" xmlns:xs="http://www.w3.org/2001/XMLSchema" xmlns:p="http://schemas.microsoft.com/office/2006/metadata/properties" xmlns:ns3="98b3f1ad-107c-497c-bb15-64aaebc89f52" xmlns:ns4="a0690ee9-4047-4223-84b2-6b02f926f5d8" targetNamespace="http://schemas.microsoft.com/office/2006/metadata/properties" ma:root="true" ma:fieldsID="f0548e293e02a81e2d97140f47270d75" ns3:_="" ns4:_="">
     <xsd:import namespace="98b3f1ad-107c-497c-bb15-64aaebc89f52"/>
@@ -5111,6 +5256,15 @@
 </ct:contentTypeSchema>
 </file>
 
+<file path=customXml/item2.xml><?xml version="1.0" encoding="utf-8"?>
+<?mso-contentType ?>
+<FormTemplates xmlns="http://schemas.microsoft.com/sharepoint/v3/contenttype/forms">
+  <Display>DocumentLibraryForm</Display>
+  <Edit>DocumentLibraryForm</Edit>
+  <New>DocumentLibraryForm</New>
+</FormTemplates>
+</file>
+
 <file path=customXml/item3.xml><?xml version="1.0" encoding="utf-8"?>
 <p:properties xmlns:p="http://schemas.microsoft.com/office/2006/metadata/properties" xmlns:xsi="http://www.w3.org/2001/XMLSchema-instance" xmlns:pc="http://schemas.microsoft.com/office/infopath/2007/PartnerControls">
   <documentManagement>
@@ -5120,14 +5274,6 @@
 </file>
 
 <file path=customXml/itemProps1.xml><?xml version="1.0" encoding="utf-8"?>
-<ds:datastoreItem xmlns:ds="http://schemas.openxmlformats.org/officeDocument/2006/customXml" ds:itemID="{F5C501D5-0101-419A-AFBB-D8F04111C142}">
-  <ds:schemaRefs>
-    <ds:schemaRef ds:uri="http://schemas.microsoft.com/sharepoint/v3/contenttype/forms"/>
-  </ds:schemaRefs>
-</ds:datastoreItem>
-</file>
-
-<file path=customXml/itemProps2.xml><?xml version="1.0" encoding="utf-8"?>
 <ds:datastoreItem xmlns:ds="http://schemas.openxmlformats.org/officeDocument/2006/customXml" ds:itemID="{3FCEF456-3233-44D6-BC5A-12E8FD4D2764}">
   <ds:schemaRefs>
     <ds:schemaRef ds:uri="http://schemas.microsoft.com/office/2006/metadata/contentType"/>
@@ -5142,6 +5288,14 @@
     <ds:schemaRef ds:uri="http://purl.org/dc/elements/1.1/"/>
     <ds:schemaRef ds:uri="http://purl.org/dc/terms/"/>
     <ds:schemaRef ds:uri="http://schemas.microsoft.com/internal/obd"/>
+  </ds:schemaRefs>
+</ds:datastoreItem>
+</file>
+
+<file path=customXml/itemProps2.xml><?xml version="1.0" encoding="utf-8"?>
+<ds:datastoreItem xmlns:ds="http://schemas.openxmlformats.org/officeDocument/2006/customXml" ds:itemID="{F5C501D5-0101-419A-AFBB-D8F04111C142}">
+  <ds:schemaRefs>
+    <ds:schemaRef ds:uri="http://schemas.microsoft.com/sharepoint/v3/contenttype/forms"/>
   </ds:schemaRefs>
 </ds:datastoreItem>
 </file>

--- a/Unidad_4/Presentación.pptx
+++ b/Unidad_4/Presentación.pptx
@@ -5,7 +5,7 @@
     <p:sldMasterId id="2147483648" r:id="rId4"/>
   </p:sldMasterIdLst>
   <p:notesMasterIdLst>
-    <p:notesMasterId r:id="rId10"/>
+    <p:notesMasterId r:id="rId11"/>
   </p:notesMasterIdLst>
   <p:sldIdLst>
     <p:sldId id="256" r:id="rId5"/>
@@ -13,6 +13,7 @@
     <p:sldId id="258" r:id="rId7"/>
     <p:sldId id="259" r:id="rId8"/>
     <p:sldId id="260" r:id="rId9"/>
+    <p:sldId id="261" r:id="rId10"/>
   </p:sldIdLst>
   <p:sldSz cx="12192000" cy="6858000"/>
   <p:notesSz cx="6858000" cy="9144000"/>
@@ -212,7 +213,7 @@
           <a:p>
             <a:fld id="{F29DC657-A5B9-41B4-AB57-79E3DB3481E8}" type="datetimeFigureOut">
               <a:rPr lang="en-US" smtClean="0"/>
-              <a:t>9/18/24</a:t>
+              <a:t>9/19/24</a:t>
             </a:fld>
             <a:endParaRPr lang="en-US"/>
           </a:p>
@@ -710,7 +711,7 @@
           <a:p>
             <a:fld id="{E0B89D21-97A6-4434-B3B1-BAF5738D61F3}" type="datetimeFigureOut">
               <a:rPr lang="en-US" smtClean="0"/>
-              <a:t>9/18/24</a:t>
+              <a:t>9/19/24</a:t>
             </a:fld>
             <a:endParaRPr lang="en-US"/>
           </a:p>
@@ -908,7 +909,7 @@
           <a:p>
             <a:fld id="{E0B89D21-97A6-4434-B3B1-BAF5738D61F3}" type="datetimeFigureOut">
               <a:rPr lang="en-US" smtClean="0"/>
-              <a:t>9/18/24</a:t>
+              <a:t>9/19/24</a:t>
             </a:fld>
             <a:endParaRPr lang="en-US"/>
           </a:p>
@@ -1116,7 +1117,7 @@
           <a:p>
             <a:fld id="{E0B89D21-97A6-4434-B3B1-BAF5738D61F3}" type="datetimeFigureOut">
               <a:rPr lang="en-US" smtClean="0"/>
-              <a:t>9/18/24</a:t>
+              <a:t>9/19/24</a:t>
             </a:fld>
             <a:endParaRPr lang="en-US"/>
           </a:p>
@@ -1383,7 +1384,7 @@
           <a:p>
             <a:fld id="{E0B89D21-97A6-4434-B3B1-BAF5738D61F3}" type="datetimeFigureOut">
               <a:rPr lang="en-US" smtClean="0"/>
-              <a:t>9/18/24</a:t>
+              <a:t>9/19/24</a:t>
             </a:fld>
             <a:endParaRPr lang="en-US"/>
           </a:p>
@@ -1658,7 +1659,7 @@
           <a:p>
             <a:fld id="{E0B89D21-97A6-4434-B3B1-BAF5738D61F3}" type="datetimeFigureOut">
               <a:rPr lang="en-US" smtClean="0"/>
-              <a:t>9/18/24</a:t>
+              <a:t>9/19/24</a:t>
             </a:fld>
             <a:endParaRPr lang="en-US"/>
           </a:p>
@@ -1923,7 +1924,7 @@
           <a:p>
             <a:fld id="{E0B89D21-97A6-4434-B3B1-BAF5738D61F3}" type="datetimeFigureOut">
               <a:rPr lang="en-US" smtClean="0"/>
-              <a:t>9/18/24</a:t>
+              <a:t>9/19/24</a:t>
             </a:fld>
             <a:endParaRPr lang="en-US"/>
           </a:p>
@@ -2335,7 +2336,7 @@
           <a:p>
             <a:fld id="{E0B89D21-97A6-4434-B3B1-BAF5738D61F3}" type="datetimeFigureOut">
               <a:rPr lang="en-US" smtClean="0"/>
-              <a:t>9/18/24</a:t>
+              <a:t>9/19/24</a:t>
             </a:fld>
             <a:endParaRPr lang="en-US"/>
           </a:p>
@@ -2476,7 +2477,7 @@
           <a:p>
             <a:fld id="{E0B89D21-97A6-4434-B3B1-BAF5738D61F3}" type="datetimeFigureOut">
               <a:rPr lang="en-US" smtClean="0"/>
-              <a:t>9/18/24</a:t>
+              <a:t>9/19/24</a:t>
             </a:fld>
             <a:endParaRPr lang="en-US"/>
           </a:p>
@@ -2589,7 +2590,7 @@
           <a:p>
             <a:fld id="{E0B89D21-97A6-4434-B3B1-BAF5738D61F3}" type="datetimeFigureOut">
               <a:rPr lang="en-US" smtClean="0"/>
-              <a:t>9/18/24</a:t>
+              <a:t>9/19/24</a:t>
             </a:fld>
             <a:endParaRPr lang="en-US"/>
           </a:p>
@@ -2900,7 +2901,7 @@
           <a:p>
             <a:fld id="{E0B89D21-97A6-4434-B3B1-BAF5738D61F3}" type="datetimeFigureOut">
               <a:rPr lang="en-US" smtClean="0"/>
-              <a:t>9/18/24</a:t>
+              <a:t>9/19/24</a:t>
             </a:fld>
             <a:endParaRPr lang="en-US"/>
           </a:p>
@@ -3188,7 +3189,7 @@
           <a:p>
             <a:fld id="{E0B89D21-97A6-4434-B3B1-BAF5738D61F3}" type="datetimeFigureOut">
               <a:rPr lang="en-US" smtClean="0"/>
-              <a:t>9/18/24</a:t>
+              <a:t>9/19/24</a:t>
             </a:fld>
             <a:endParaRPr lang="en-US"/>
           </a:p>
@@ -3429,7 +3430,7 @@
           <a:p>
             <a:fld id="{E0B89D21-97A6-4434-B3B1-BAF5738D61F3}" type="datetimeFigureOut">
               <a:rPr lang="en-US" smtClean="0"/>
-              <a:t>9/18/24</a:t>
+              <a:t>9/19/24</a:t>
             </a:fld>
             <a:endParaRPr lang="en-US"/>
           </a:p>
@@ -4370,6 +4371,133 @@
     <p:extLst>
       <p:ext uri="{BB962C8B-B14F-4D97-AF65-F5344CB8AC3E}">
         <p14:creationId xmlns:p14="http://schemas.microsoft.com/office/powerpoint/2010/main" val="2414382881"/>
+      </p:ext>
+    </p:extLst>
+  </p:cSld>
+  <p:clrMapOvr>
+    <a:masterClrMapping/>
+  </p:clrMapOvr>
+</p:sld>
+</file>
+
+<file path=ppt/slides/slide6.xml><?xml version="1.0" encoding="utf-8"?>
+<p:sld xmlns:a="http://schemas.openxmlformats.org/drawingml/2006/main" xmlns:r="http://schemas.openxmlformats.org/officeDocument/2006/relationships" xmlns:p="http://schemas.openxmlformats.org/presentationml/2006/main">
+  <p:cSld>
+    <p:spTree>
+      <p:nvGrpSpPr>
+        <p:cNvPr id="1" name=""/>
+        <p:cNvGrpSpPr/>
+        <p:nvPr/>
+      </p:nvGrpSpPr>
+      <p:grpSpPr>
+        <a:xfrm>
+          <a:off x="0" y="0"/>
+          <a:ext cx="0" cy="0"/>
+          <a:chOff x="0" y="0"/>
+          <a:chExt cx="0" cy="0"/>
+        </a:xfrm>
+      </p:grpSpPr>
+      <p:sp>
+        <p:nvSpPr>
+          <p:cNvPr id="2" name="Title 1">
+            <a:extLst>
+              <a:ext uri="{FF2B5EF4-FFF2-40B4-BE49-F238E27FC236}">
+                <a16:creationId xmlns:a16="http://schemas.microsoft.com/office/drawing/2014/main" id="{28B9AE6B-316A-D4DD-7AF2-35DEC011C93B}"/>
+              </a:ext>
+            </a:extLst>
+          </p:cNvPr>
+          <p:cNvSpPr>
+            <a:spLocks noGrp="1"/>
+          </p:cNvSpPr>
+          <p:nvPr>
+            <p:ph type="title"/>
+          </p:nvPr>
+        </p:nvSpPr>
+        <p:spPr/>
+        <p:txBody>
+          <a:bodyPr/>
+          <a:lstStyle/>
+          <a:p>
+            <a:r>
+              <a:rPr lang="es-ES_tradnl" dirty="0"/>
+              <a:t>Práctica</a:t>
+            </a:r>
+          </a:p>
+        </p:txBody>
+      </p:sp>
+      <p:sp>
+        <p:nvSpPr>
+          <p:cNvPr id="3" name="Content Placeholder 2">
+            <a:extLst>
+              <a:ext uri="{FF2B5EF4-FFF2-40B4-BE49-F238E27FC236}">
+                <a16:creationId xmlns:a16="http://schemas.microsoft.com/office/drawing/2014/main" id="{D78E4910-BF98-6609-8268-8E32F0E4C00D}"/>
+              </a:ext>
+            </a:extLst>
+          </p:cNvPr>
+          <p:cNvSpPr>
+            <a:spLocks noGrp="1"/>
+          </p:cNvSpPr>
+          <p:nvPr>
+            <p:ph idx="1"/>
+          </p:nvPr>
+        </p:nvSpPr>
+        <p:spPr/>
+        <p:txBody>
+          <a:bodyPr/>
+          <a:lstStyle/>
+          <a:p>
+            <a:pPr marL="0" indent="0">
+              <a:buNone/>
+            </a:pPr>
+            <a:r>
+              <a:rPr lang="es-ES_tradnl" dirty="0"/>
+              <a:t>Crear un botón en el componente “</a:t>
+            </a:r>
+            <a:r>
+              <a:rPr lang="es-ES_tradnl" dirty="0" err="1"/>
+              <a:t>UserProfile</a:t>
+            </a:r>
+            <a:r>
+              <a:rPr lang="es-ES_tradnl" dirty="0"/>
+              <a:t>” que se llame “Eliminar” de color rojo. Este deberá invocar una nueva función en nuestro </a:t>
+            </a:r>
+            <a:r>
+              <a:rPr lang="es-ES_tradnl" dirty="0" err="1"/>
+              <a:t>DataSource</a:t>
+            </a:r>
+            <a:r>
+              <a:rPr lang="es-ES_tradnl" dirty="0"/>
+              <a:t> “</a:t>
+            </a:r>
+            <a:r>
+              <a:rPr lang="es-ES_tradnl" dirty="0" err="1"/>
+              <a:t>deleteUser</a:t>
+            </a:r>
+            <a:r>
+              <a:rPr lang="es-ES_tradnl" dirty="0"/>
+              <a:t>” que recibe el </a:t>
+            </a:r>
+            <a:r>
+              <a:rPr lang="es-ES_tradnl" dirty="0" err="1"/>
+              <a:t>index</a:t>
+            </a:r>
+            <a:r>
+              <a:rPr lang="es-ES_tradnl" dirty="0"/>
+              <a:t> del usuario y lo elimina de la base de datos.</a:t>
+            </a:r>
+          </a:p>
+          <a:p>
+            <a:pPr marL="0" indent="0">
+              <a:buNone/>
+            </a:pPr>
+            <a:endParaRPr lang="es-ES_tradnl" dirty="0"/>
+          </a:p>
+        </p:txBody>
+      </p:sp>
+    </p:spTree>
+    <p:extLst>
+      <p:ext uri="{BB962C8B-B14F-4D97-AF65-F5344CB8AC3E}">
+        <p14:creationId xmlns:p14="http://schemas.microsoft.com/office/powerpoint/2010/main" val="940038753"/>
       </p:ext>
     </p:extLst>
   </p:cSld>
@@ -5010,6 +5138,15 @@
 </file>
 
 <file path=customXml/item1.xml><?xml version="1.0" encoding="utf-8"?>
+<?mso-contentType ?>
+<FormTemplates xmlns="http://schemas.microsoft.com/sharepoint/v3/contenttype/forms">
+  <Display>DocumentLibraryForm</Display>
+  <Edit>DocumentLibraryForm</Edit>
+  <New>DocumentLibraryForm</New>
+</FormTemplates>
+</file>
+
+<file path=customXml/item2.xml><?xml version="1.0" encoding="utf-8"?>
 <ct:contentTypeSchema xmlns:ct="http://schemas.microsoft.com/office/2006/metadata/contentType" xmlns:ma="http://schemas.microsoft.com/office/2006/metadata/properties/metaAttributes" ct:_="" ma:_="" ma:contentTypeName="Documento" ma:contentTypeID="0x0101000ABC46EDA268834388609BD5B286F917" ma:contentTypeVersion="17" ma:contentTypeDescription="Crear nuevo documento." ma:contentTypeScope="" ma:versionID="b8ef759d716670bba47381dcbb7cab08">
   <xsd:schema xmlns:xsd="http://www.w3.org/2001/XMLSchema" xmlns:xs="http://www.w3.org/2001/XMLSchema" xmlns:p="http://schemas.microsoft.com/office/2006/metadata/properties" xmlns:ns3="98b3f1ad-107c-497c-bb15-64aaebc89f52" xmlns:ns4="a0690ee9-4047-4223-84b2-6b02f926f5d8" targetNamespace="http://schemas.microsoft.com/office/2006/metadata/properties" ma:root="true" ma:fieldsID="f0548e293e02a81e2d97140f47270d75" ns3:_="" ns4:_="">
     <xsd:import namespace="98b3f1ad-107c-497c-bb15-64aaebc89f52"/>
@@ -5256,15 +5393,6 @@
 </ct:contentTypeSchema>
 </file>
 
-<file path=customXml/item2.xml><?xml version="1.0" encoding="utf-8"?>
-<?mso-contentType ?>
-<FormTemplates xmlns="http://schemas.microsoft.com/sharepoint/v3/contenttype/forms">
-  <Display>DocumentLibraryForm</Display>
-  <Edit>DocumentLibraryForm</Edit>
-  <New>DocumentLibraryForm</New>
-</FormTemplates>
-</file>
-
 <file path=customXml/item3.xml><?xml version="1.0" encoding="utf-8"?>
 <p:properties xmlns:p="http://schemas.microsoft.com/office/2006/metadata/properties" xmlns:xsi="http://www.w3.org/2001/XMLSchema-instance" xmlns:pc="http://schemas.microsoft.com/office/infopath/2007/PartnerControls">
   <documentManagement>
@@ -5274,6 +5402,14 @@
 </file>
 
 <file path=customXml/itemProps1.xml><?xml version="1.0" encoding="utf-8"?>
+<ds:datastoreItem xmlns:ds="http://schemas.openxmlformats.org/officeDocument/2006/customXml" ds:itemID="{F5C501D5-0101-419A-AFBB-D8F04111C142}">
+  <ds:schemaRefs>
+    <ds:schemaRef ds:uri="http://schemas.microsoft.com/sharepoint/v3/contenttype/forms"/>
+  </ds:schemaRefs>
+</ds:datastoreItem>
+</file>
+
+<file path=customXml/itemProps2.xml><?xml version="1.0" encoding="utf-8"?>
 <ds:datastoreItem xmlns:ds="http://schemas.openxmlformats.org/officeDocument/2006/customXml" ds:itemID="{3FCEF456-3233-44D6-BC5A-12E8FD4D2764}">
   <ds:schemaRefs>
     <ds:schemaRef ds:uri="http://schemas.microsoft.com/office/2006/metadata/contentType"/>
@@ -5288,14 +5424,6 @@
     <ds:schemaRef ds:uri="http://purl.org/dc/elements/1.1/"/>
     <ds:schemaRef ds:uri="http://purl.org/dc/terms/"/>
     <ds:schemaRef ds:uri="http://schemas.microsoft.com/internal/obd"/>
-  </ds:schemaRefs>
-</ds:datastoreItem>
-</file>
-
-<file path=customXml/itemProps2.xml><?xml version="1.0" encoding="utf-8"?>
-<ds:datastoreItem xmlns:ds="http://schemas.openxmlformats.org/officeDocument/2006/customXml" ds:itemID="{F5C501D5-0101-419A-AFBB-D8F04111C142}">
-  <ds:schemaRefs>
-    <ds:schemaRef ds:uri="http://schemas.microsoft.com/sharepoint/v3/contenttype/forms"/>
   </ds:schemaRefs>
 </ds:datastoreItem>
 </file>

--- a/Unidad_4/Presentación.pptx
+++ b/Unidad_4/Presentación.pptx
@@ -213,7 +213,7 @@
           <a:p>
             <a:fld id="{F29DC657-A5B9-41B4-AB57-79E3DB3481E8}" type="datetimeFigureOut">
               <a:rPr lang="en-US" smtClean="0"/>
-              <a:t>9/19/24</a:t>
+              <a:t>9/21/2024</a:t>
             </a:fld>
             <a:endParaRPr lang="en-US"/>
           </a:p>
@@ -711,7 +711,7 @@
           <a:p>
             <a:fld id="{E0B89D21-97A6-4434-B3B1-BAF5738D61F3}" type="datetimeFigureOut">
               <a:rPr lang="en-US" smtClean="0"/>
-              <a:t>9/19/24</a:t>
+              <a:t>9/21/2024</a:t>
             </a:fld>
             <a:endParaRPr lang="en-US"/>
           </a:p>
@@ -909,7 +909,7 @@
           <a:p>
             <a:fld id="{E0B89D21-97A6-4434-B3B1-BAF5738D61F3}" type="datetimeFigureOut">
               <a:rPr lang="en-US" smtClean="0"/>
-              <a:t>9/19/24</a:t>
+              <a:t>9/21/2024</a:t>
             </a:fld>
             <a:endParaRPr lang="en-US"/>
           </a:p>
@@ -1117,7 +1117,7 @@
           <a:p>
             <a:fld id="{E0B89D21-97A6-4434-B3B1-BAF5738D61F3}" type="datetimeFigureOut">
               <a:rPr lang="en-US" smtClean="0"/>
-              <a:t>9/19/24</a:t>
+              <a:t>9/21/2024</a:t>
             </a:fld>
             <a:endParaRPr lang="en-US"/>
           </a:p>
@@ -1384,7 +1384,7 @@
           <a:p>
             <a:fld id="{E0B89D21-97A6-4434-B3B1-BAF5738D61F3}" type="datetimeFigureOut">
               <a:rPr lang="en-US" smtClean="0"/>
-              <a:t>9/19/24</a:t>
+              <a:t>9/21/2024</a:t>
             </a:fld>
             <a:endParaRPr lang="en-US"/>
           </a:p>
@@ -1659,7 +1659,7 @@
           <a:p>
             <a:fld id="{E0B89D21-97A6-4434-B3B1-BAF5738D61F3}" type="datetimeFigureOut">
               <a:rPr lang="en-US" smtClean="0"/>
-              <a:t>9/19/24</a:t>
+              <a:t>9/21/2024</a:t>
             </a:fld>
             <a:endParaRPr lang="en-US"/>
           </a:p>
@@ -1924,7 +1924,7 @@
           <a:p>
             <a:fld id="{E0B89D21-97A6-4434-B3B1-BAF5738D61F3}" type="datetimeFigureOut">
               <a:rPr lang="en-US" smtClean="0"/>
-              <a:t>9/19/24</a:t>
+              <a:t>9/21/2024</a:t>
             </a:fld>
             <a:endParaRPr lang="en-US"/>
           </a:p>
@@ -2336,7 +2336,7 @@
           <a:p>
             <a:fld id="{E0B89D21-97A6-4434-B3B1-BAF5738D61F3}" type="datetimeFigureOut">
               <a:rPr lang="en-US" smtClean="0"/>
-              <a:t>9/19/24</a:t>
+              <a:t>9/21/2024</a:t>
             </a:fld>
             <a:endParaRPr lang="en-US"/>
           </a:p>
@@ -2477,7 +2477,7 @@
           <a:p>
             <a:fld id="{E0B89D21-97A6-4434-B3B1-BAF5738D61F3}" type="datetimeFigureOut">
               <a:rPr lang="en-US" smtClean="0"/>
-              <a:t>9/19/24</a:t>
+              <a:t>9/21/2024</a:t>
             </a:fld>
             <a:endParaRPr lang="en-US"/>
           </a:p>
@@ -2590,7 +2590,7 @@
           <a:p>
             <a:fld id="{E0B89D21-97A6-4434-B3B1-BAF5738D61F3}" type="datetimeFigureOut">
               <a:rPr lang="en-US" smtClean="0"/>
-              <a:t>9/19/24</a:t>
+              <a:t>9/21/2024</a:t>
             </a:fld>
             <a:endParaRPr lang="en-US"/>
           </a:p>
@@ -2901,7 +2901,7 @@
           <a:p>
             <a:fld id="{E0B89D21-97A6-4434-B3B1-BAF5738D61F3}" type="datetimeFigureOut">
               <a:rPr lang="en-US" smtClean="0"/>
-              <a:t>9/19/24</a:t>
+              <a:t>9/21/2024</a:t>
             </a:fld>
             <a:endParaRPr lang="en-US"/>
           </a:p>
@@ -3189,7 +3189,7 @@
           <a:p>
             <a:fld id="{E0B89D21-97A6-4434-B3B1-BAF5738D61F3}" type="datetimeFigureOut">
               <a:rPr lang="en-US" smtClean="0"/>
-              <a:t>9/19/24</a:t>
+              <a:t>9/21/2024</a:t>
             </a:fld>
             <a:endParaRPr lang="en-US"/>
           </a:p>
@@ -3430,7 +3430,7 @@
           <a:p>
             <a:fld id="{E0B89D21-97A6-4434-B3B1-BAF5738D61F3}" type="datetimeFigureOut">
               <a:rPr lang="en-US" smtClean="0"/>
-              <a:t>9/19/24</a:t>
+              <a:t>9/21/2024</a:t>
             </a:fld>
             <a:endParaRPr lang="en-US"/>
           </a:p>
@@ -3955,8 +3955,12 @@
           <a:lstStyle/>
           <a:p>
             <a:r>
+              <a:rPr lang="es-EC" dirty="0"/>
+              <a:t>¿Qué </a:t>
+            </a:r>
+            <a:r>
               <a:rPr lang="es-EC"/>
-              <a:t>¿Qué son?</a:t>
+              <a:t>son Hooks?</a:t>
             </a:r>
           </a:p>
         </p:txBody>
@@ -5147,6 +5151,14 @@
 </file>
 
 <file path=customXml/item2.xml><?xml version="1.0" encoding="utf-8"?>
+<p:properties xmlns:p="http://schemas.microsoft.com/office/2006/metadata/properties" xmlns:xsi="http://www.w3.org/2001/XMLSchema-instance" xmlns:pc="http://schemas.microsoft.com/office/infopath/2007/PartnerControls">
+  <documentManagement>
+    <_activity xmlns="98b3f1ad-107c-497c-bb15-64aaebc89f52" xsi:nil="true"/>
+  </documentManagement>
+</p:properties>
+</file>
+
+<file path=customXml/item3.xml><?xml version="1.0" encoding="utf-8"?>
 <ct:contentTypeSchema xmlns:ct="http://schemas.microsoft.com/office/2006/metadata/contentType" xmlns:ma="http://schemas.microsoft.com/office/2006/metadata/properties/metaAttributes" ct:_="" ma:_="" ma:contentTypeName="Documento" ma:contentTypeID="0x0101000ABC46EDA268834388609BD5B286F917" ma:contentTypeVersion="17" ma:contentTypeDescription="Crear nuevo documento." ma:contentTypeScope="" ma:versionID="b8ef759d716670bba47381dcbb7cab08">
   <xsd:schema xmlns:xsd="http://www.w3.org/2001/XMLSchema" xmlns:xs="http://www.w3.org/2001/XMLSchema" xmlns:p="http://schemas.microsoft.com/office/2006/metadata/properties" xmlns:ns3="98b3f1ad-107c-497c-bb15-64aaebc89f52" xmlns:ns4="a0690ee9-4047-4223-84b2-6b02f926f5d8" targetNamespace="http://schemas.microsoft.com/office/2006/metadata/properties" ma:root="true" ma:fieldsID="f0548e293e02a81e2d97140f47270d75" ns3:_="" ns4:_="">
     <xsd:import namespace="98b3f1ad-107c-497c-bb15-64aaebc89f52"/>
@@ -5393,14 +5405,6 @@
 </ct:contentTypeSchema>
 </file>
 
-<file path=customXml/item3.xml><?xml version="1.0" encoding="utf-8"?>
-<p:properties xmlns:p="http://schemas.microsoft.com/office/2006/metadata/properties" xmlns:xsi="http://www.w3.org/2001/XMLSchema-instance" xmlns:pc="http://schemas.microsoft.com/office/infopath/2007/PartnerControls">
-  <documentManagement>
-    <_activity xmlns="98b3f1ad-107c-497c-bb15-64aaebc89f52" xsi:nil="true"/>
-  </documentManagement>
-</p:properties>
-</file>
-
 <file path=customXml/itemProps1.xml><?xml version="1.0" encoding="utf-8"?>
 <ds:datastoreItem xmlns:ds="http://schemas.openxmlformats.org/officeDocument/2006/customXml" ds:itemID="{F5C501D5-0101-419A-AFBB-D8F04111C142}">
   <ds:schemaRefs>
@@ -5410,6 +5414,23 @@
 </file>
 
 <file path=customXml/itemProps2.xml><?xml version="1.0" encoding="utf-8"?>
+<ds:datastoreItem xmlns:ds="http://schemas.openxmlformats.org/officeDocument/2006/customXml" ds:itemID="{EEC6291A-1BB8-4D31-80EF-6AAECF11ECF7}">
+  <ds:schemaRefs>
+    <ds:schemaRef ds:uri="a0690ee9-4047-4223-84b2-6b02f926f5d8"/>
+    <ds:schemaRef ds:uri="http://www.w3.org/XML/1998/namespace"/>
+    <ds:schemaRef ds:uri="http://schemas.microsoft.com/office/2006/metadata/properties"/>
+    <ds:schemaRef ds:uri="http://schemas.microsoft.com/office/2006/documentManagement/types"/>
+    <ds:schemaRef ds:uri="98b3f1ad-107c-497c-bb15-64aaebc89f52"/>
+    <ds:schemaRef ds:uri="http://purl.org/dc/elements/1.1/"/>
+    <ds:schemaRef ds:uri="http://purl.org/dc/dcmitype/"/>
+    <ds:schemaRef ds:uri="http://purl.org/dc/terms/"/>
+    <ds:schemaRef ds:uri="http://schemas.microsoft.com/office/infopath/2007/PartnerControls"/>
+    <ds:schemaRef ds:uri="http://schemas.openxmlformats.org/package/2006/metadata/core-properties"/>
+  </ds:schemaRefs>
+</ds:datastoreItem>
+</file>
+
+<file path=customXml/itemProps3.xml><?xml version="1.0" encoding="utf-8"?>
 <ds:datastoreItem xmlns:ds="http://schemas.openxmlformats.org/officeDocument/2006/customXml" ds:itemID="{3FCEF456-3233-44D6-BC5A-12E8FD4D2764}">
   <ds:schemaRefs>
     <ds:schemaRef ds:uri="http://schemas.microsoft.com/office/2006/metadata/contentType"/>
@@ -5426,21 +5447,4 @@
     <ds:schemaRef ds:uri="http://schemas.microsoft.com/internal/obd"/>
   </ds:schemaRefs>
 </ds:datastoreItem>
-</file>
-
-<file path=customXml/itemProps3.xml><?xml version="1.0" encoding="utf-8"?>
-<ds:datastoreItem xmlns:ds="http://schemas.openxmlformats.org/officeDocument/2006/customXml" ds:itemID="{EEC6291A-1BB8-4D31-80EF-6AAECF11ECF7}">
-  <ds:schemaRefs>
-    <ds:schemaRef ds:uri="a0690ee9-4047-4223-84b2-6b02f926f5d8"/>
-    <ds:schemaRef ds:uri="http://www.w3.org/XML/1998/namespace"/>
-    <ds:schemaRef ds:uri="http://schemas.microsoft.com/office/2006/metadata/properties"/>
-    <ds:schemaRef ds:uri="http://schemas.microsoft.com/office/2006/documentManagement/types"/>
-    <ds:schemaRef ds:uri="98b3f1ad-107c-497c-bb15-64aaebc89f52"/>
-    <ds:schemaRef ds:uri="http://purl.org/dc/elements/1.1/"/>
-    <ds:schemaRef ds:uri="http://purl.org/dc/dcmitype/"/>
-    <ds:schemaRef ds:uri="http://purl.org/dc/terms/"/>
-    <ds:schemaRef ds:uri="http://schemas.microsoft.com/office/infopath/2007/PartnerControls"/>
-    <ds:schemaRef ds:uri="http://schemas.openxmlformats.org/package/2006/metadata/core-properties"/>
-  </ds:schemaRefs>
-</ds:datastoreItem>
 </file>